--- a/子设备模拟器介绍.pptx
+++ b/子设备模拟器介绍.pptx
@@ -6,9 +6,8 @@
   </p:sldMasterIdLst>
   <p:sldIdLst>
     <p:sldId id="256" r:id="rId2"/>
-    <p:sldId id="274" r:id="rId3"/>
-    <p:sldId id="258" r:id="rId4"/>
-    <p:sldId id="273" r:id="rId5"/>
+    <p:sldId id="258" r:id="rId3"/>
+    <p:sldId id="273" r:id="rId4"/>
   </p:sldIdLst>
   <p:sldSz cx="12192000" cy="6858000"/>
   <p:notesSz cx="6858000" cy="9144000"/>
@@ -838,7 +837,7 @@
             <a:fld id="{B61BEF0D-F0BB-DE4B-95CE-6DB70DBA9567}" type="datetimeFigureOut">
               <a:rPr lang="en-US" dirty="0"/>
               <a:pPr/>
-              <a:t>1/3/2018</a:t>
+              <a:t>1/9/2018</a:t>
             </a:fld>
             <a:endParaRPr lang="en-US" dirty="0"/>
           </a:p>
@@ -1086,7 +1085,7 @@
             <a:fld id="{B61BEF0D-F0BB-DE4B-95CE-6DB70DBA9567}" type="datetimeFigureOut">
               <a:rPr lang="en-US" dirty="0"/>
               <a:pPr/>
-              <a:t>1/3/2018</a:t>
+              <a:t>1/9/2018</a:t>
             </a:fld>
             <a:endParaRPr lang="en-US" dirty="0"/>
           </a:p>
@@ -1397,7 +1396,7 @@
             <a:fld id="{B61BEF0D-F0BB-DE4B-95CE-6DB70DBA9567}" type="datetimeFigureOut">
               <a:rPr lang="en-US" dirty="0"/>
               <a:pPr/>
-              <a:t>1/3/2018</a:t>
+              <a:t>1/9/2018</a:t>
             </a:fld>
             <a:endParaRPr lang="en-US" dirty="0"/>
           </a:p>
@@ -1735,7 +1734,7 @@
             <a:fld id="{B61BEF0D-F0BB-DE4B-95CE-6DB70DBA9567}" type="datetimeFigureOut">
               <a:rPr lang="en-US" dirty="0"/>
               <a:pPr/>
-              <a:t>1/3/2018</a:t>
+              <a:t>1/9/2018</a:t>
             </a:fld>
             <a:endParaRPr lang="en-US" dirty="0"/>
           </a:p>
@@ -2046,7 +2045,7 @@
             <a:fld id="{B61BEF0D-F0BB-DE4B-95CE-6DB70DBA9567}" type="datetimeFigureOut">
               <a:rPr lang="en-US" dirty="0"/>
               <a:pPr/>
-              <a:t>1/3/2018</a:t>
+              <a:t>1/9/2018</a:t>
             </a:fld>
             <a:endParaRPr lang="en-US" dirty="0"/>
           </a:p>
@@ -2436,7 +2435,7 @@
             <a:fld id="{B61BEF0D-F0BB-DE4B-95CE-6DB70DBA9567}" type="datetimeFigureOut">
               <a:rPr lang="en-US" dirty="0"/>
               <a:pPr/>
-              <a:t>1/3/2018</a:t>
+              <a:t>1/9/2018</a:t>
             </a:fld>
             <a:endParaRPr lang="en-US" dirty="0"/>
           </a:p>
@@ -2602,7 +2601,7 @@
           <a:p>
             <a:fld id="{55C6B4A9-1611-4792-9094-5F34BCA07E0B}" type="datetimeFigureOut">
               <a:rPr lang="en-US" dirty="0"/>
-              <a:t>1/3/2018</a:t>
+              <a:t>1/9/2018</a:t>
             </a:fld>
             <a:endParaRPr lang="en-US" dirty="0"/>
           </a:p>
@@ -2778,7 +2777,7 @@
             <a:fld id="{B61BEF0D-F0BB-DE4B-95CE-6DB70DBA9567}" type="datetimeFigureOut">
               <a:rPr lang="en-US" dirty="0"/>
               <a:pPr/>
-              <a:t>1/3/2018</a:t>
+              <a:t>1/9/2018</a:t>
             </a:fld>
             <a:endParaRPr lang="en-US" dirty="0"/>
           </a:p>
@@ -2951,7 +2950,7 @@
             <a:fld id="{B61BEF0D-F0BB-DE4B-95CE-6DB70DBA9567}" type="datetimeFigureOut">
               <a:rPr lang="en-US" dirty="0"/>
               <a:pPr/>
-              <a:t>1/3/2018</a:t>
+              <a:t>1/9/2018</a:t>
             </a:fld>
             <a:endParaRPr lang="en-US" dirty="0"/>
           </a:p>
@@ -3195,7 +3194,7 @@
             <a:fld id="{B61BEF0D-F0BB-DE4B-95CE-6DB70DBA9567}" type="datetimeFigureOut">
               <a:rPr lang="en-US" dirty="0"/>
               <a:pPr/>
-              <a:t>1/3/2018</a:t>
+              <a:t>1/9/2018</a:t>
             </a:fld>
             <a:endParaRPr lang="en-US" dirty="0"/>
           </a:p>
@@ -3423,7 +3422,7 @@
           <a:p>
             <a:fld id="{EB712588-04B1-427B-82EE-E8DB90309F08}" type="datetimeFigureOut">
               <a:rPr lang="en-US" dirty="0"/>
-              <a:t>1/3/2018</a:t>
+              <a:t>1/9/2018</a:t>
             </a:fld>
             <a:endParaRPr lang="en-US" dirty="0"/>
           </a:p>
@@ -3793,7 +3792,7 @@
             <a:fld id="{B61BEF0D-F0BB-DE4B-95CE-6DB70DBA9567}" type="datetimeFigureOut">
               <a:rPr lang="en-US" dirty="0"/>
               <a:pPr/>
-              <a:t>1/3/2018</a:t>
+              <a:t>1/9/2018</a:t>
             </a:fld>
             <a:endParaRPr lang="en-US" dirty="0"/>
           </a:p>
@@ -3913,7 +3912,7 @@
             <a:fld id="{B61BEF0D-F0BB-DE4B-95CE-6DB70DBA9567}" type="datetimeFigureOut">
               <a:rPr lang="en-US" dirty="0"/>
               <a:pPr/>
-              <a:t>1/3/2018</a:t>
+              <a:t>1/9/2018</a:t>
             </a:fld>
             <a:endParaRPr lang="en-US" dirty="0"/>
           </a:p>
@@ -4005,7 +4004,7 @@
             <a:fld id="{B61BEF0D-F0BB-DE4B-95CE-6DB70DBA9567}" type="datetimeFigureOut">
               <a:rPr lang="en-US" dirty="0"/>
               <a:pPr/>
-              <a:t>1/3/2018</a:t>
+              <a:t>1/9/2018</a:t>
             </a:fld>
             <a:endParaRPr lang="en-US" dirty="0"/>
           </a:p>
@@ -4256,7 +4255,7 @@
           <a:p>
             <a:fld id="{42A54C80-263E-416B-A8E0-580EDEADCBDC}" type="datetimeFigureOut">
               <a:rPr lang="en-US" dirty="0"/>
-              <a:t>1/3/2018</a:t>
+              <a:t>1/9/2018</a:t>
             </a:fld>
             <a:endParaRPr lang="en-US" dirty="0"/>
           </a:p>
@@ -4515,7 +4514,7 @@
             <a:fld id="{B61BEF0D-F0BB-DE4B-95CE-6DB70DBA9567}" type="datetimeFigureOut">
               <a:rPr lang="en-US" dirty="0"/>
               <a:pPr/>
-              <a:t>1/3/2018</a:t>
+              <a:t>1/9/2018</a:t>
             </a:fld>
             <a:endParaRPr lang="en-US" dirty="0"/>
           </a:p>
@@ -5255,7 +5254,7 @@
             <a:fld id="{B61BEF0D-F0BB-DE4B-95CE-6DB70DBA9567}" type="datetimeFigureOut">
               <a:rPr lang="en-US" dirty="0"/>
               <a:pPr/>
-              <a:t>1/3/2018</a:t>
+              <a:t>1/9/2018</a:t>
             </a:fld>
             <a:endParaRPr lang="en-US" dirty="0"/>
           </a:p>
@@ -5868,20 +5867,20 @@
       </p:grpSpPr>
       <p:sp>
         <p:nvSpPr>
-          <p:cNvPr id="39" name="圆角矩形 38"/>
+          <p:cNvPr id="55" name="圆角矩形 54"/>
           <p:cNvSpPr/>
           <p:nvPr/>
         </p:nvSpPr>
         <p:spPr>
           <a:xfrm>
-            <a:off x="7178919" y="2720813"/>
-            <a:ext cx="2476526" cy="2643717"/>
+            <a:off x="3944319" y="881079"/>
+            <a:ext cx="4564251" cy="5635959"/>
           </a:xfrm>
           <a:prstGeom prst="roundRect">
             <a:avLst/>
           </a:prstGeom>
           <a:solidFill>
-            <a:schemeClr val="accent5">
+            <a:schemeClr val="accent1">
               <a:lumMod val="60000"/>
               <a:lumOff val="40000"/>
             </a:schemeClr>
@@ -5917,207 +5916,24 @@
       </p:sp>
       <p:sp>
         <p:nvSpPr>
-          <p:cNvPr id="37" name="圆角矩形 36"/>
+          <p:cNvPr id="46" name="流程图: 可选过程 45"/>
           <p:cNvSpPr/>
           <p:nvPr/>
         </p:nvSpPr>
         <p:spPr>
           <a:xfrm>
-            <a:off x="2628394" y="2720813"/>
-            <a:ext cx="3857790" cy="2643717"/>
-          </a:xfrm>
-          <a:prstGeom prst="roundRect">
-            <a:avLst/>
-          </a:prstGeom>
-          <a:solidFill>
-            <a:srgbClr val="00B0F0"/>
-          </a:solidFill>
-        </p:spPr>
-        <p:style>
-          <a:lnRef idx="2">
-            <a:schemeClr val="accent1">
-              <a:shade val="50000"/>
-            </a:schemeClr>
-          </a:lnRef>
-          <a:fillRef idx="1">
-            <a:schemeClr val="accent1"/>
-          </a:fillRef>
-          <a:effectRef idx="0">
-            <a:schemeClr val="accent1"/>
-          </a:effectRef>
-          <a:fontRef idx="minor">
-            <a:schemeClr val="lt1"/>
-          </a:fontRef>
-        </p:style>
-        <p:txBody>
-          <a:bodyPr rtlCol="0" anchor="ctr"/>
-          <a:lstStyle/>
-          <a:p>
-            <a:pPr algn="ctr"/>
-            <a:endParaRPr lang="zh-CN" altLang="en-US" sz="2000" b="1">
-              <a:latin typeface="宋体" panose="02010600030101010101" pitchFamily="2" charset="-122"/>
-              <a:ea typeface="宋体" panose="02010600030101010101" pitchFamily="2" charset="-122"/>
-            </a:endParaRPr>
-          </a:p>
-        </p:txBody>
-      </p:sp>
-      <p:sp>
-        <p:nvSpPr>
-          <p:cNvPr id="35" name="圆角矩形 34"/>
-          <p:cNvSpPr/>
-          <p:nvPr/>
-        </p:nvSpPr>
-        <p:spPr>
-          <a:xfrm>
-            <a:off x="600291" y="2720812"/>
-            <a:ext cx="1310866" cy="2643718"/>
-          </a:xfrm>
-          <a:prstGeom prst="roundRect">
-            <a:avLst/>
-          </a:prstGeom>
-          <a:solidFill>
-            <a:schemeClr val="accent6">
-              <a:lumMod val="75000"/>
-            </a:schemeClr>
-          </a:solidFill>
-        </p:spPr>
-        <p:style>
-          <a:lnRef idx="2">
-            <a:schemeClr val="accent1">
-              <a:shade val="50000"/>
-            </a:schemeClr>
-          </a:lnRef>
-          <a:fillRef idx="1">
-            <a:schemeClr val="accent1"/>
-          </a:fillRef>
-          <a:effectRef idx="0">
-            <a:schemeClr val="accent1"/>
-          </a:effectRef>
-          <a:fontRef idx="minor">
-            <a:schemeClr val="lt1"/>
-          </a:fontRef>
-        </p:style>
-        <p:txBody>
-          <a:bodyPr rtlCol="0" anchor="ctr"/>
-          <a:lstStyle/>
-          <a:p>
-            <a:pPr algn="ctr"/>
-            <a:endParaRPr lang="zh-CN" altLang="en-US" sz="2000" b="1">
-              <a:latin typeface="宋体" panose="02010600030101010101" pitchFamily="2" charset="-122"/>
-              <a:ea typeface="宋体" panose="02010600030101010101" pitchFamily="2" charset="-122"/>
-            </a:endParaRPr>
-          </a:p>
-        </p:txBody>
-      </p:sp>
-      <p:sp>
-        <p:nvSpPr>
-          <p:cNvPr id="16" name="文本框 15"/>
-          <p:cNvSpPr txBox="1"/>
-          <p:nvPr/>
-        </p:nvSpPr>
-        <p:spPr>
-          <a:xfrm>
-            <a:off x="726632" y="-49646"/>
-            <a:ext cx="6005941" cy="523220"/>
-          </a:xfrm>
-          <a:prstGeom prst="rect">
-            <a:avLst/>
-          </a:prstGeom>
-          <a:noFill/>
-        </p:spPr>
-        <p:txBody>
-          <a:bodyPr wrap="square" rtlCol="0">
-            <a:spAutoFit/>
-          </a:bodyPr>
-          <a:lstStyle/>
-          <a:p>
-            <a:r>
-              <a:rPr lang="zh-CN" altLang="en-US" sz="2800" dirty="0">
-                <a:solidFill>
-                  <a:srgbClr val="0070C0"/>
-                </a:solidFill>
-              </a:rPr>
-              <a:t>子</a:t>
-            </a:r>
-            <a:r>
-              <a:rPr lang="zh-CN" altLang="en-US" sz="2800" dirty="0" smtClean="0">
-                <a:solidFill>
-                  <a:srgbClr val="0070C0"/>
-                </a:solidFill>
-              </a:rPr>
-              <a:t>设备模拟器接口</a:t>
-            </a:r>
-            <a:r>
-              <a:rPr lang="zh-CN" altLang="en-US" sz="2800" dirty="0">
-                <a:solidFill>
-                  <a:srgbClr val="0070C0"/>
-                </a:solidFill>
-              </a:rPr>
-              <a:t>协议栈</a:t>
-            </a:r>
-            <a:r>
-              <a:rPr lang="zh-CN" altLang="en-US" sz="2800" dirty="0" smtClean="0">
-                <a:solidFill>
-                  <a:srgbClr val="0070C0"/>
-                </a:solidFill>
-              </a:rPr>
-              <a:t>：</a:t>
-            </a:r>
-            <a:endParaRPr lang="zh-CN" altLang="en-US" sz="3600" b="1" dirty="0">
-              <a:effectLst>
-                <a:outerShdw blurRad="38100" dist="38100" dir="2700000" algn="tl">
-                  <a:srgbClr val="000000">
-                    <a:alpha val="43137"/>
-                  </a:srgbClr>
-                </a:outerShdw>
-              </a:effectLst>
-            </a:endParaRPr>
-          </a:p>
-        </p:txBody>
-      </p:sp>
-      <p:sp>
-        <p:nvSpPr>
-          <p:cNvPr id="23" name="流程图: 可选过程 22"/>
-          <p:cNvSpPr/>
-          <p:nvPr/>
-        </p:nvSpPr>
-        <p:spPr>
-          <a:xfrm>
-            <a:off x="7588506" y="3559105"/>
-            <a:ext cx="1728743" cy="445669"/>
+            <a:off x="4043916" y="1439509"/>
+            <a:ext cx="4262034" cy="1542054"/>
           </a:xfrm>
           <a:prstGeom prst="flowChartAlternateProcess">
             <a:avLst/>
           </a:prstGeom>
-          <a:gradFill>
-            <a:gsLst>
-              <a:gs pos="0">
-                <a:schemeClr val="accent1">
-                  <a:lumMod val="5000"/>
-                  <a:lumOff val="95000"/>
-                </a:schemeClr>
-              </a:gs>
-              <a:gs pos="74000">
-                <a:schemeClr val="accent1">
-                  <a:lumMod val="45000"/>
-                  <a:lumOff val="55000"/>
-                </a:schemeClr>
-              </a:gs>
-              <a:gs pos="83000">
-                <a:schemeClr val="accent1">
-                  <a:lumMod val="45000"/>
-                  <a:lumOff val="55000"/>
-                </a:schemeClr>
-              </a:gs>
-              <a:gs pos="100000">
-                <a:schemeClr val="accent1">
-                  <a:lumMod val="30000"/>
-                  <a:lumOff val="70000"/>
-                </a:schemeClr>
-              </a:gs>
-            </a:gsLst>
-            <a:lin ang="5400000" scaled="1"/>
-          </a:gradFill>
+          <a:solidFill>
+            <a:schemeClr val="accent2">
+              <a:lumMod val="20000"/>
+              <a:lumOff val="80000"/>
+            </a:schemeClr>
+          </a:solidFill>
           <a:ln w="44450">
             <a:solidFill>
               <a:schemeClr val="accent1">
@@ -6148,26 +5964,6 @@
           <a:lstStyle/>
           <a:p>
             <a:pPr algn="ctr"/>
-            <a:r>
-              <a:rPr lang="en-US" altLang="zh-CN" sz="2000" b="1" dirty="0" smtClean="0">
-                <a:solidFill>
-                  <a:schemeClr val="tx1"/>
-                </a:solidFill>
-                <a:latin typeface="宋体" panose="02010600030101010101" pitchFamily="2" charset="-122"/>
-                <a:ea typeface="宋体" panose="02010600030101010101" pitchFamily="2" charset="-122"/>
-              </a:rPr>
-              <a:t>JSON</a:t>
-            </a:r>
-            <a:r>
-              <a:rPr lang="zh-CN" altLang="en-US" sz="2000" b="1" dirty="0" smtClean="0">
-                <a:solidFill>
-                  <a:schemeClr val="tx1"/>
-                </a:solidFill>
-                <a:latin typeface="宋体" panose="02010600030101010101" pitchFamily="2" charset="-122"/>
-                <a:ea typeface="宋体" panose="02010600030101010101" pitchFamily="2" charset="-122"/>
-              </a:rPr>
-              <a:t>消息</a:t>
-            </a:r>
             <a:endParaRPr lang="zh-CN" altLang="en-US" sz="2000" b="1" dirty="0">
               <a:solidFill>
                 <a:schemeClr val="tx1"/>
@@ -6180,47 +5976,24 @@
       </p:sp>
       <p:sp>
         <p:nvSpPr>
-          <p:cNvPr id="24" name="流程图: 可选过程 23"/>
+          <p:cNvPr id="51" name="流程图: 可选过程 50"/>
           <p:cNvSpPr/>
           <p:nvPr/>
         </p:nvSpPr>
         <p:spPr>
           <a:xfrm>
-            <a:off x="7588506" y="4065930"/>
-            <a:ext cx="1728743" cy="407821"/>
+            <a:off x="4043916" y="3438756"/>
+            <a:ext cx="4262034" cy="1568118"/>
           </a:xfrm>
           <a:prstGeom prst="flowChartAlternateProcess">
             <a:avLst/>
           </a:prstGeom>
-          <a:gradFill>
-            <a:gsLst>
-              <a:gs pos="0">
-                <a:schemeClr val="accent1">
-                  <a:lumMod val="5000"/>
-                  <a:lumOff val="95000"/>
-                </a:schemeClr>
-              </a:gs>
-              <a:gs pos="74000">
-                <a:schemeClr val="accent1">
-                  <a:lumMod val="45000"/>
-                  <a:lumOff val="55000"/>
-                </a:schemeClr>
-              </a:gs>
-              <a:gs pos="83000">
-                <a:schemeClr val="accent1">
-                  <a:lumMod val="45000"/>
-                  <a:lumOff val="55000"/>
-                </a:schemeClr>
-              </a:gs>
-              <a:gs pos="100000">
-                <a:schemeClr val="accent1">
-                  <a:lumMod val="30000"/>
-                  <a:lumOff val="70000"/>
-                </a:schemeClr>
-              </a:gs>
-            </a:gsLst>
-            <a:lin ang="5400000" scaled="1"/>
-          </a:gradFill>
+          <a:solidFill>
+            <a:schemeClr val="accent1">
+              <a:lumMod val="20000"/>
+              <a:lumOff val="80000"/>
+            </a:schemeClr>
+          </a:solidFill>
           <a:ln w="44450">
             <a:solidFill>
               <a:schemeClr val="accent1">
@@ -6251,1189 +6024,6 @@
           <a:lstStyle/>
           <a:p>
             <a:pPr algn="ctr"/>
-            <a:r>
-              <a:rPr lang="zh-CN" altLang="en-US" sz="1600" b="1" dirty="0">
-                <a:solidFill>
-                  <a:schemeClr val="tx1"/>
-                </a:solidFill>
-                <a:latin typeface="宋体" panose="02010600030101010101" pitchFamily="2" charset="-122"/>
-                <a:ea typeface="宋体" panose="02010600030101010101" pitchFamily="2" charset="-122"/>
-              </a:rPr>
-              <a:t>子设备控制协议</a:t>
-            </a:r>
-          </a:p>
-        </p:txBody>
-      </p:sp>
-      <p:sp>
-        <p:nvSpPr>
-          <p:cNvPr id="25" name="流程图: 可选过程 24"/>
-          <p:cNvSpPr/>
-          <p:nvPr/>
-        </p:nvSpPr>
-        <p:spPr>
-          <a:xfrm>
-            <a:off x="7588506" y="4534907"/>
-            <a:ext cx="1728743" cy="449420"/>
-          </a:xfrm>
-          <a:prstGeom prst="flowChartAlternateProcess">
-            <a:avLst/>
-          </a:prstGeom>
-          <a:gradFill>
-            <a:gsLst>
-              <a:gs pos="0">
-                <a:schemeClr val="accent1">
-                  <a:lumMod val="5000"/>
-                  <a:lumOff val="95000"/>
-                </a:schemeClr>
-              </a:gs>
-              <a:gs pos="74000">
-                <a:schemeClr val="accent1">
-                  <a:lumMod val="45000"/>
-                  <a:lumOff val="55000"/>
-                </a:schemeClr>
-              </a:gs>
-              <a:gs pos="83000">
-                <a:schemeClr val="accent1">
-                  <a:lumMod val="45000"/>
-                  <a:lumOff val="55000"/>
-                </a:schemeClr>
-              </a:gs>
-              <a:gs pos="100000">
-                <a:schemeClr val="accent1">
-                  <a:lumMod val="30000"/>
-                  <a:lumOff val="70000"/>
-                </a:schemeClr>
-              </a:gs>
-            </a:gsLst>
-            <a:lin ang="5400000" scaled="1"/>
-          </a:gradFill>
-          <a:ln w="44450">
-            <a:solidFill>
-              <a:schemeClr val="accent1">
-                <a:shade val="50000"/>
-                <a:alpha val="85000"/>
-              </a:schemeClr>
-            </a:solidFill>
-          </a:ln>
-        </p:spPr>
-        <p:style>
-          <a:lnRef idx="2">
-            <a:schemeClr val="accent1">
-              <a:shade val="50000"/>
-            </a:schemeClr>
-          </a:lnRef>
-          <a:fillRef idx="1">
-            <a:schemeClr val="accent1"/>
-          </a:fillRef>
-          <a:effectRef idx="0">
-            <a:schemeClr val="accent1"/>
-          </a:effectRef>
-          <a:fontRef idx="minor">
-            <a:schemeClr val="lt1"/>
-          </a:fontRef>
-        </p:style>
-        <p:txBody>
-          <a:bodyPr rtlCol="0" anchor="ctr"/>
-          <a:lstStyle/>
-          <a:p>
-            <a:pPr algn="ctr"/>
-            <a:r>
-              <a:rPr lang="en-US" altLang="zh-CN" sz="1100" b="1" dirty="0" smtClean="0">
-                <a:solidFill>
-                  <a:schemeClr val="tx1"/>
-                </a:solidFill>
-                <a:latin typeface="宋体" panose="02010600030101010101" pitchFamily="2" charset="-122"/>
-                <a:ea typeface="宋体" panose="02010600030101010101" pitchFamily="2" charset="-122"/>
-              </a:rPr>
-              <a:t>TCP/IP</a:t>
-            </a:r>
-            <a:endParaRPr lang="zh-CN" altLang="en-US" sz="1100" b="1" dirty="0">
-              <a:solidFill>
-                <a:schemeClr val="tx1"/>
-              </a:solidFill>
-              <a:latin typeface="宋体" panose="02010600030101010101" pitchFamily="2" charset="-122"/>
-              <a:ea typeface="宋体" panose="02010600030101010101" pitchFamily="2" charset="-122"/>
-            </a:endParaRPr>
-          </a:p>
-        </p:txBody>
-      </p:sp>
-      <p:sp>
-        <p:nvSpPr>
-          <p:cNvPr id="34" name="左右箭头 33"/>
-          <p:cNvSpPr/>
-          <p:nvPr/>
-        </p:nvSpPr>
-        <p:spPr>
-          <a:xfrm>
-            <a:off x="6564776" y="4689874"/>
-            <a:ext cx="551894" cy="139485"/>
-          </a:xfrm>
-          <a:prstGeom prst="leftRightArrow">
-            <a:avLst/>
-          </a:prstGeom>
-        </p:spPr>
-        <p:style>
-          <a:lnRef idx="2">
-            <a:schemeClr val="accent1">
-              <a:shade val="50000"/>
-            </a:schemeClr>
-          </a:lnRef>
-          <a:fillRef idx="1">
-            <a:schemeClr val="accent1"/>
-          </a:fillRef>
-          <a:effectRef idx="0">
-            <a:schemeClr val="accent1"/>
-          </a:effectRef>
-          <a:fontRef idx="minor">
-            <a:schemeClr val="lt1"/>
-          </a:fontRef>
-        </p:style>
-        <p:txBody>
-          <a:bodyPr rtlCol="0" anchor="ctr"/>
-          <a:lstStyle/>
-          <a:p>
-            <a:pPr algn="ctr"/>
-            <a:endParaRPr lang="zh-CN" altLang="en-US" sz="2000" b="1">
-              <a:solidFill>
-                <a:schemeClr val="tx1"/>
-              </a:solidFill>
-              <a:latin typeface="宋体" panose="02010600030101010101" pitchFamily="2" charset="-122"/>
-              <a:ea typeface="宋体" panose="02010600030101010101" pitchFamily="2" charset="-122"/>
-            </a:endParaRPr>
-          </a:p>
-        </p:txBody>
-      </p:sp>
-      <p:sp>
-        <p:nvSpPr>
-          <p:cNvPr id="36" name="文本框 35"/>
-          <p:cNvSpPr txBox="1"/>
-          <p:nvPr/>
-        </p:nvSpPr>
-        <p:spPr>
-          <a:xfrm>
-            <a:off x="810070" y="2804095"/>
-            <a:ext cx="891307" cy="400110"/>
-          </a:xfrm>
-          <a:prstGeom prst="rect">
-            <a:avLst/>
-          </a:prstGeom>
-          <a:noFill/>
-        </p:spPr>
-        <p:txBody>
-          <a:bodyPr wrap="square" rtlCol="0">
-            <a:spAutoFit/>
-          </a:bodyPr>
-          <a:lstStyle/>
-          <a:p>
-            <a:pPr algn="ctr"/>
-            <a:r>
-              <a:rPr lang="en-US" altLang="zh-CN" sz="2000" b="1" dirty="0" smtClean="0">
-                <a:latin typeface="宋体" panose="02010600030101010101" pitchFamily="2" charset="-122"/>
-                <a:ea typeface="宋体" panose="02010600030101010101" pitchFamily="2" charset="-122"/>
-              </a:rPr>
-              <a:t>Pad</a:t>
-            </a:r>
-            <a:endParaRPr lang="zh-CN" altLang="en-US" sz="2000" b="1" dirty="0">
-              <a:latin typeface="宋体" panose="02010600030101010101" pitchFamily="2" charset="-122"/>
-              <a:ea typeface="宋体" panose="02010600030101010101" pitchFamily="2" charset="-122"/>
-            </a:endParaRPr>
-          </a:p>
-        </p:txBody>
-      </p:sp>
-      <p:sp>
-        <p:nvSpPr>
-          <p:cNvPr id="38" name="文本框 37"/>
-          <p:cNvSpPr txBox="1"/>
-          <p:nvPr/>
-        </p:nvSpPr>
-        <p:spPr>
-          <a:xfrm>
-            <a:off x="4034183" y="2790416"/>
-            <a:ext cx="1046212" cy="400110"/>
-          </a:xfrm>
-          <a:prstGeom prst="rect">
-            <a:avLst/>
-          </a:prstGeom>
-          <a:noFill/>
-        </p:spPr>
-        <p:txBody>
-          <a:bodyPr wrap="square" rtlCol="0">
-            <a:spAutoFit/>
-          </a:bodyPr>
-          <a:lstStyle/>
-          <a:p>
-            <a:pPr algn="ctr"/>
-            <a:r>
-              <a:rPr lang="en-US" altLang="zh-CN" sz="2000" b="1" dirty="0" smtClean="0">
-                <a:latin typeface="宋体" panose="02010600030101010101" pitchFamily="2" charset="-122"/>
-                <a:ea typeface="宋体" panose="02010600030101010101" pitchFamily="2" charset="-122"/>
-              </a:rPr>
-              <a:t>Router</a:t>
-            </a:r>
-            <a:endParaRPr lang="zh-CN" altLang="en-US" sz="2000" b="1" dirty="0">
-              <a:latin typeface="宋体" panose="02010600030101010101" pitchFamily="2" charset="-122"/>
-              <a:ea typeface="宋体" panose="02010600030101010101" pitchFamily="2" charset="-122"/>
-            </a:endParaRPr>
-          </a:p>
-        </p:txBody>
-      </p:sp>
-      <p:sp>
-        <p:nvSpPr>
-          <p:cNvPr id="40" name="文本框 39"/>
-          <p:cNvSpPr txBox="1"/>
-          <p:nvPr/>
-        </p:nvSpPr>
-        <p:spPr>
-          <a:xfrm>
-            <a:off x="7287407" y="2862748"/>
-            <a:ext cx="2259550" cy="400110"/>
-          </a:xfrm>
-          <a:prstGeom prst="rect">
-            <a:avLst/>
-          </a:prstGeom>
-          <a:noFill/>
-        </p:spPr>
-        <p:txBody>
-          <a:bodyPr wrap="square" rtlCol="0">
-            <a:spAutoFit/>
-          </a:bodyPr>
-          <a:lstStyle/>
-          <a:p>
-            <a:pPr algn="ctr"/>
-            <a:r>
-              <a:rPr lang="en-US" altLang="zh-CN" sz="2000" b="1" dirty="0">
-                <a:latin typeface="宋体" panose="02010600030101010101" pitchFamily="2" charset="-122"/>
-                <a:ea typeface="宋体" panose="02010600030101010101" pitchFamily="2" charset="-122"/>
-              </a:rPr>
-              <a:t>Device </a:t>
-            </a:r>
-            <a:r>
-              <a:rPr lang="en-US" altLang="zh-CN" sz="2000" b="1" dirty="0" smtClean="0">
-                <a:latin typeface="宋体" panose="02010600030101010101" pitchFamily="2" charset="-122"/>
-                <a:ea typeface="宋体" panose="02010600030101010101" pitchFamily="2" charset="-122"/>
-              </a:rPr>
-              <a:t>simulator</a:t>
-            </a:r>
-            <a:endParaRPr lang="en-US" altLang="zh-CN" sz="2000" b="1" dirty="0">
-              <a:latin typeface="宋体" panose="02010600030101010101" pitchFamily="2" charset="-122"/>
-              <a:ea typeface="宋体" panose="02010600030101010101" pitchFamily="2" charset="-122"/>
-            </a:endParaRPr>
-          </a:p>
-        </p:txBody>
-      </p:sp>
-      <p:sp>
-        <p:nvSpPr>
-          <p:cNvPr id="41" name="流程图: 可选过程 40"/>
-          <p:cNvSpPr/>
-          <p:nvPr/>
-        </p:nvSpPr>
-        <p:spPr>
-          <a:xfrm>
-            <a:off x="4672821" y="3559105"/>
-            <a:ext cx="1728743" cy="445669"/>
-          </a:xfrm>
-          <a:prstGeom prst="flowChartAlternateProcess">
-            <a:avLst/>
-          </a:prstGeom>
-          <a:gradFill>
-            <a:gsLst>
-              <a:gs pos="0">
-                <a:schemeClr val="accent1">
-                  <a:lumMod val="5000"/>
-                  <a:lumOff val="95000"/>
-                </a:schemeClr>
-              </a:gs>
-              <a:gs pos="74000">
-                <a:schemeClr val="accent1">
-                  <a:lumMod val="45000"/>
-                  <a:lumOff val="55000"/>
-                </a:schemeClr>
-              </a:gs>
-              <a:gs pos="83000">
-                <a:schemeClr val="accent1">
-                  <a:lumMod val="45000"/>
-                  <a:lumOff val="55000"/>
-                </a:schemeClr>
-              </a:gs>
-              <a:gs pos="100000">
-                <a:schemeClr val="accent1">
-                  <a:lumMod val="30000"/>
-                  <a:lumOff val="70000"/>
-                </a:schemeClr>
-              </a:gs>
-            </a:gsLst>
-            <a:lin ang="5400000" scaled="1"/>
-          </a:gradFill>
-          <a:ln w="44450">
-            <a:solidFill>
-              <a:schemeClr val="accent1">
-                <a:shade val="50000"/>
-                <a:alpha val="85000"/>
-              </a:schemeClr>
-            </a:solidFill>
-          </a:ln>
-        </p:spPr>
-        <p:style>
-          <a:lnRef idx="2">
-            <a:schemeClr val="accent1">
-              <a:shade val="50000"/>
-            </a:schemeClr>
-          </a:lnRef>
-          <a:fillRef idx="1">
-            <a:schemeClr val="accent1"/>
-          </a:fillRef>
-          <a:effectRef idx="0">
-            <a:schemeClr val="accent1"/>
-          </a:effectRef>
-          <a:fontRef idx="minor">
-            <a:schemeClr val="lt1"/>
-          </a:fontRef>
-        </p:style>
-        <p:txBody>
-          <a:bodyPr rtlCol="0" anchor="ctr"/>
-          <a:lstStyle/>
-          <a:p>
-            <a:pPr algn="ctr"/>
-            <a:r>
-              <a:rPr lang="en-US" altLang="zh-CN" sz="2000" b="1" dirty="0" smtClean="0">
-                <a:solidFill>
-                  <a:schemeClr val="tx1"/>
-                </a:solidFill>
-                <a:latin typeface="宋体" panose="02010600030101010101" pitchFamily="2" charset="-122"/>
-                <a:ea typeface="宋体" panose="02010600030101010101" pitchFamily="2" charset="-122"/>
-              </a:rPr>
-              <a:t>JSON</a:t>
-            </a:r>
-            <a:r>
-              <a:rPr lang="zh-CN" altLang="en-US" sz="2000" b="1" dirty="0" smtClean="0">
-                <a:solidFill>
-                  <a:schemeClr val="tx1"/>
-                </a:solidFill>
-                <a:latin typeface="宋体" panose="02010600030101010101" pitchFamily="2" charset="-122"/>
-                <a:ea typeface="宋体" panose="02010600030101010101" pitchFamily="2" charset="-122"/>
-              </a:rPr>
-              <a:t>消息</a:t>
-            </a:r>
-            <a:endParaRPr lang="zh-CN" altLang="en-US" sz="2000" b="1" dirty="0">
-              <a:solidFill>
-                <a:schemeClr val="tx1"/>
-              </a:solidFill>
-              <a:latin typeface="宋体" panose="02010600030101010101" pitchFamily="2" charset="-122"/>
-              <a:ea typeface="宋体" panose="02010600030101010101" pitchFamily="2" charset="-122"/>
-            </a:endParaRPr>
-          </a:p>
-        </p:txBody>
-      </p:sp>
-      <p:sp>
-        <p:nvSpPr>
-          <p:cNvPr id="42" name="流程图: 可选过程 41"/>
-          <p:cNvSpPr/>
-          <p:nvPr/>
-        </p:nvSpPr>
-        <p:spPr>
-          <a:xfrm>
-            <a:off x="4672821" y="4065930"/>
-            <a:ext cx="1728743" cy="407821"/>
-          </a:xfrm>
-          <a:prstGeom prst="flowChartAlternateProcess">
-            <a:avLst/>
-          </a:prstGeom>
-          <a:gradFill>
-            <a:gsLst>
-              <a:gs pos="0">
-                <a:schemeClr val="accent1">
-                  <a:lumMod val="5000"/>
-                  <a:lumOff val="95000"/>
-                </a:schemeClr>
-              </a:gs>
-              <a:gs pos="74000">
-                <a:schemeClr val="accent1">
-                  <a:lumMod val="45000"/>
-                  <a:lumOff val="55000"/>
-                </a:schemeClr>
-              </a:gs>
-              <a:gs pos="83000">
-                <a:schemeClr val="accent1">
-                  <a:lumMod val="45000"/>
-                  <a:lumOff val="55000"/>
-                </a:schemeClr>
-              </a:gs>
-              <a:gs pos="100000">
-                <a:schemeClr val="accent1">
-                  <a:lumMod val="30000"/>
-                  <a:lumOff val="70000"/>
-                </a:schemeClr>
-              </a:gs>
-            </a:gsLst>
-            <a:lin ang="5400000" scaled="1"/>
-          </a:gradFill>
-          <a:ln w="44450">
-            <a:solidFill>
-              <a:schemeClr val="accent1">
-                <a:shade val="50000"/>
-                <a:alpha val="85000"/>
-              </a:schemeClr>
-            </a:solidFill>
-          </a:ln>
-        </p:spPr>
-        <p:style>
-          <a:lnRef idx="2">
-            <a:schemeClr val="accent1">
-              <a:shade val="50000"/>
-            </a:schemeClr>
-          </a:lnRef>
-          <a:fillRef idx="1">
-            <a:schemeClr val="accent1"/>
-          </a:fillRef>
-          <a:effectRef idx="0">
-            <a:schemeClr val="accent1"/>
-          </a:effectRef>
-          <a:fontRef idx="minor">
-            <a:schemeClr val="lt1"/>
-          </a:fontRef>
-        </p:style>
-        <p:txBody>
-          <a:bodyPr rtlCol="0" anchor="ctr"/>
-          <a:lstStyle/>
-          <a:p>
-            <a:pPr algn="ctr"/>
-            <a:r>
-              <a:rPr lang="zh-CN" altLang="en-US" sz="1600" b="1" dirty="0">
-                <a:solidFill>
-                  <a:schemeClr val="tx1"/>
-                </a:solidFill>
-                <a:latin typeface="宋体" panose="02010600030101010101" pitchFamily="2" charset="-122"/>
-                <a:ea typeface="宋体" panose="02010600030101010101" pitchFamily="2" charset="-122"/>
-              </a:rPr>
-              <a:t>子设备控制协议</a:t>
-            </a:r>
-          </a:p>
-        </p:txBody>
-      </p:sp>
-      <p:sp>
-        <p:nvSpPr>
-          <p:cNvPr id="43" name="流程图: 可选过程 42"/>
-          <p:cNvSpPr/>
-          <p:nvPr/>
-        </p:nvSpPr>
-        <p:spPr>
-          <a:xfrm>
-            <a:off x="4672821" y="4534907"/>
-            <a:ext cx="1728743" cy="449420"/>
-          </a:xfrm>
-          <a:prstGeom prst="flowChartAlternateProcess">
-            <a:avLst/>
-          </a:prstGeom>
-          <a:gradFill>
-            <a:gsLst>
-              <a:gs pos="0">
-                <a:schemeClr val="accent1">
-                  <a:lumMod val="5000"/>
-                  <a:lumOff val="95000"/>
-                </a:schemeClr>
-              </a:gs>
-              <a:gs pos="74000">
-                <a:schemeClr val="accent1">
-                  <a:lumMod val="45000"/>
-                  <a:lumOff val="55000"/>
-                </a:schemeClr>
-              </a:gs>
-              <a:gs pos="83000">
-                <a:schemeClr val="accent1">
-                  <a:lumMod val="45000"/>
-                  <a:lumOff val="55000"/>
-                </a:schemeClr>
-              </a:gs>
-              <a:gs pos="100000">
-                <a:schemeClr val="accent1">
-                  <a:lumMod val="30000"/>
-                  <a:lumOff val="70000"/>
-                </a:schemeClr>
-              </a:gs>
-            </a:gsLst>
-            <a:lin ang="5400000" scaled="1"/>
-          </a:gradFill>
-          <a:ln w="44450">
-            <a:solidFill>
-              <a:schemeClr val="accent1">
-                <a:shade val="50000"/>
-                <a:alpha val="85000"/>
-              </a:schemeClr>
-            </a:solidFill>
-          </a:ln>
-        </p:spPr>
-        <p:style>
-          <a:lnRef idx="2">
-            <a:schemeClr val="accent1">
-              <a:shade val="50000"/>
-            </a:schemeClr>
-          </a:lnRef>
-          <a:fillRef idx="1">
-            <a:schemeClr val="accent1"/>
-          </a:fillRef>
-          <a:effectRef idx="0">
-            <a:schemeClr val="accent1"/>
-          </a:effectRef>
-          <a:fontRef idx="minor">
-            <a:schemeClr val="lt1"/>
-          </a:fontRef>
-        </p:style>
-        <p:txBody>
-          <a:bodyPr rtlCol="0" anchor="ctr"/>
-          <a:lstStyle/>
-          <a:p>
-            <a:pPr algn="ctr"/>
-            <a:r>
-              <a:rPr lang="en-US" altLang="zh-CN" sz="1100" b="1" dirty="0" smtClean="0">
-                <a:solidFill>
-                  <a:schemeClr val="tx1"/>
-                </a:solidFill>
-                <a:latin typeface="宋体" panose="02010600030101010101" pitchFamily="2" charset="-122"/>
-                <a:ea typeface="宋体" panose="02010600030101010101" pitchFamily="2" charset="-122"/>
-              </a:rPr>
-              <a:t>TCP/IP</a:t>
-            </a:r>
-            <a:endParaRPr lang="zh-CN" altLang="en-US" sz="1100" b="1" dirty="0">
-              <a:solidFill>
-                <a:schemeClr val="tx1"/>
-              </a:solidFill>
-              <a:latin typeface="宋体" panose="02010600030101010101" pitchFamily="2" charset="-122"/>
-              <a:ea typeface="宋体" panose="02010600030101010101" pitchFamily="2" charset="-122"/>
-            </a:endParaRPr>
-          </a:p>
-        </p:txBody>
-      </p:sp>
-      <p:sp>
-        <p:nvSpPr>
-          <p:cNvPr id="44" name="左右箭头 43"/>
-          <p:cNvSpPr/>
-          <p:nvPr/>
-        </p:nvSpPr>
-        <p:spPr>
-          <a:xfrm>
-            <a:off x="2006080" y="4689873"/>
-            <a:ext cx="551894" cy="139485"/>
-          </a:xfrm>
-          <a:prstGeom prst="leftRightArrow">
-            <a:avLst/>
-          </a:prstGeom>
-        </p:spPr>
-        <p:style>
-          <a:lnRef idx="2">
-            <a:schemeClr val="accent1">
-              <a:shade val="50000"/>
-            </a:schemeClr>
-          </a:lnRef>
-          <a:fillRef idx="1">
-            <a:schemeClr val="accent1"/>
-          </a:fillRef>
-          <a:effectRef idx="0">
-            <a:schemeClr val="accent1"/>
-          </a:effectRef>
-          <a:fontRef idx="minor">
-            <a:schemeClr val="lt1"/>
-          </a:fontRef>
-        </p:style>
-        <p:txBody>
-          <a:bodyPr rtlCol="0" anchor="ctr"/>
-          <a:lstStyle/>
-          <a:p>
-            <a:pPr algn="ctr"/>
-            <a:endParaRPr lang="zh-CN" altLang="en-US" sz="2000" b="1">
-              <a:solidFill>
-                <a:schemeClr val="tx1"/>
-              </a:solidFill>
-              <a:latin typeface="宋体" panose="02010600030101010101" pitchFamily="2" charset="-122"/>
-              <a:ea typeface="宋体" panose="02010600030101010101" pitchFamily="2" charset="-122"/>
-            </a:endParaRPr>
-          </a:p>
-        </p:txBody>
-      </p:sp>
-      <p:sp>
-        <p:nvSpPr>
-          <p:cNvPr id="45" name="流程图: 可选过程 44"/>
-          <p:cNvSpPr/>
-          <p:nvPr/>
-        </p:nvSpPr>
-        <p:spPr>
-          <a:xfrm>
-            <a:off x="2800439" y="4534907"/>
-            <a:ext cx="818415" cy="449420"/>
-          </a:xfrm>
-          <a:prstGeom prst="flowChartAlternateProcess">
-            <a:avLst/>
-          </a:prstGeom>
-          <a:gradFill>
-            <a:gsLst>
-              <a:gs pos="0">
-                <a:schemeClr val="accent1">
-                  <a:lumMod val="5000"/>
-                  <a:lumOff val="95000"/>
-                </a:schemeClr>
-              </a:gs>
-              <a:gs pos="74000">
-                <a:schemeClr val="accent1">
-                  <a:lumMod val="45000"/>
-                  <a:lumOff val="55000"/>
-                </a:schemeClr>
-              </a:gs>
-              <a:gs pos="83000">
-                <a:schemeClr val="accent1">
-                  <a:lumMod val="45000"/>
-                  <a:lumOff val="55000"/>
-                </a:schemeClr>
-              </a:gs>
-              <a:gs pos="100000">
-                <a:schemeClr val="accent1">
-                  <a:lumMod val="30000"/>
-                  <a:lumOff val="70000"/>
-                </a:schemeClr>
-              </a:gs>
-            </a:gsLst>
-            <a:lin ang="5400000" scaled="1"/>
-          </a:gradFill>
-          <a:ln w="44450">
-            <a:solidFill>
-              <a:schemeClr val="accent1">
-                <a:shade val="50000"/>
-                <a:alpha val="85000"/>
-              </a:schemeClr>
-            </a:solidFill>
-          </a:ln>
-        </p:spPr>
-        <p:style>
-          <a:lnRef idx="2">
-            <a:schemeClr val="accent1">
-              <a:shade val="50000"/>
-            </a:schemeClr>
-          </a:lnRef>
-          <a:fillRef idx="1">
-            <a:schemeClr val="accent1"/>
-          </a:fillRef>
-          <a:effectRef idx="0">
-            <a:schemeClr val="accent1"/>
-          </a:effectRef>
-          <a:fontRef idx="minor">
-            <a:schemeClr val="lt1"/>
-          </a:fontRef>
-        </p:style>
-        <p:txBody>
-          <a:bodyPr rtlCol="0" anchor="ctr"/>
-          <a:lstStyle/>
-          <a:p>
-            <a:pPr algn="ctr"/>
-            <a:r>
-              <a:rPr lang="en-US" altLang="zh-CN" sz="1100" b="1" dirty="0" smtClean="0">
-                <a:solidFill>
-                  <a:schemeClr val="tx1"/>
-                </a:solidFill>
-                <a:latin typeface="宋体" panose="02010600030101010101" pitchFamily="2" charset="-122"/>
-                <a:ea typeface="宋体" panose="02010600030101010101" pitchFamily="2" charset="-122"/>
-              </a:rPr>
-              <a:t>TCP/IP</a:t>
-            </a:r>
-            <a:endParaRPr lang="zh-CN" altLang="en-US" sz="1100" b="1" dirty="0">
-              <a:solidFill>
-                <a:schemeClr val="tx1"/>
-              </a:solidFill>
-              <a:latin typeface="宋体" panose="02010600030101010101" pitchFamily="2" charset="-122"/>
-              <a:ea typeface="宋体" panose="02010600030101010101" pitchFamily="2" charset="-122"/>
-            </a:endParaRPr>
-          </a:p>
-        </p:txBody>
-      </p:sp>
-      <p:sp>
-        <p:nvSpPr>
-          <p:cNvPr id="48" name="流程图: 可选过程 47"/>
-          <p:cNvSpPr/>
-          <p:nvPr/>
-        </p:nvSpPr>
-        <p:spPr>
-          <a:xfrm>
-            <a:off x="849469" y="4534907"/>
-            <a:ext cx="818415" cy="449420"/>
-          </a:xfrm>
-          <a:prstGeom prst="flowChartAlternateProcess">
-            <a:avLst/>
-          </a:prstGeom>
-          <a:gradFill>
-            <a:gsLst>
-              <a:gs pos="0">
-                <a:schemeClr val="accent1">
-                  <a:lumMod val="5000"/>
-                  <a:lumOff val="95000"/>
-                </a:schemeClr>
-              </a:gs>
-              <a:gs pos="74000">
-                <a:schemeClr val="accent1">
-                  <a:lumMod val="45000"/>
-                  <a:lumOff val="55000"/>
-                </a:schemeClr>
-              </a:gs>
-              <a:gs pos="83000">
-                <a:schemeClr val="accent1">
-                  <a:lumMod val="45000"/>
-                  <a:lumOff val="55000"/>
-                </a:schemeClr>
-              </a:gs>
-              <a:gs pos="100000">
-                <a:schemeClr val="accent1">
-                  <a:lumMod val="30000"/>
-                  <a:lumOff val="70000"/>
-                </a:schemeClr>
-              </a:gs>
-            </a:gsLst>
-            <a:lin ang="5400000" scaled="1"/>
-          </a:gradFill>
-          <a:ln w="44450">
-            <a:solidFill>
-              <a:schemeClr val="accent1">
-                <a:shade val="50000"/>
-                <a:alpha val="85000"/>
-              </a:schemeClr>
-            </a:solidFill>
-          </a:ln>
-        </p:spPr>
-        <p:style>
-          <a:lnRef idx="2">
-            <a:schemeClr val="accent1">
-              <a:shade val="50000"/>
-            </a:schemeClr>
-          </a:lnRef>
-          <a:fillRef idx="1">
-            <a:schemeClr val="accent1"/>
-          </a:fillRef>
-          <a:effectRef idx="0">
-            <a:schemeClr val="accent1"/>
-          </a:effectRef>
-          <a:fontRef idx="minor">
-            <a:schemeClr val="lt1"/>
-          </a:fontRef>
-        </p:style>
-        <p:txBody>
-          <a:bodyPr rtlCol="0" anchor="ctr"/>
-          <a:lstStyle/>
-          <a:p>
-            <a:pPr algn="ctr"/>
-            <a:r>
-              <a:rPr lang="en-US" altLang="zh-CN" sz="1100" b="1" dirty="0" smtClean="0">
-                <a:solidFill>
-                  <a:schemeClr val="tx1"/>
-                </a:solidFill>
-                <a:latin typeface="宋体" panose="02010600030101010101" pitchFamily="2" charset="-122"/>
-                <a:ea typeface="宋体" panose="02010600030101010101" pitchFamily="2" charset="-122"/>
-              </a:rPr>
-              <a:t>TCP/IP</a:t>
-            </a:r>
-            <a:endParaRPr lang="zh-CN" altLang="en-US" sz="1100" b="1" dirty="0">
-              <a:solidFill>
-                <a:schemeClr val="tx1"/>
-              </a:solidFill>
-              <a:latin typeface="宋体" panose="02010600030101010101" pitchFamily="2" charset="-122"/>
-              <a:ea typeface="宋体" panose="02010600030101010101" pitchFamily="2" charset="-122"/>
-            </a:endParaRPr>
-          </a:p>
-        </p:txBody>
-      </p:sp>
-      <p:sp>
-        <p:nvSpPr>
-          <p:cNvPr id="49" name="流程图: 可选过程 48"/>
-          <p:cNvSpPr/>
-          <p:nvPr/>
-        </p:nvSpPr>
-        <p:spPr>
-          <a:xfrm>
-            <a:off x="2800439" y="4028082"/>
-            <a:ext cx="818415" cy="445669"/>
-          </a:xfrm>
-          <a:prstGeom prst="flowChartAlternateProcess">
-            <a:avLst/>
-          </a:prstGeom>
-          <a:gradFill>
-            <a:gsLst>
-              <a:gs pos="0">
-                <a:schemeClr val="accent1">
-                  <a:lumMod val="5000"/>
-                  <a:lumOff val="95000"/>
-                </a:schemeClr>
-              </a:gs>
-              <a:gs pos="74000">
-                <a:schemeClr val="accent1">
-                  <a:lumMod val="45000"/>
-                  <a:lumOff val="55000"/>
-                </a:schemeClr>
-              </a:gs>
-              <a:gs pos="83000">
-                <a:schemeClr val="accent1">
-                  <a:lumMod val="45000"/>
-                  <a:lumOff val="55000"/>
-                </a:schemeClr>
-              </a:gs>
-              <a:gs pos="100000">
-                <a:schemeClr val="accent1">
-                  <a:lumMod val="30000"/>
-                  <a:lumOff val="70000"/>
-                </a:schemeClr>
-              </a:gs>
-            </a:gsLst>
-            <a:lin ang="5400000" scaled="1"/>
-          </a:gradFill>
-          <a:ln w="44450">
-            <a:solidFill>
-              <a:schemeClr val="accent1">
-                <a:shade val="50000"/>
-                <a:alpha val="85000"/>
-              </a:schemeClr>
-            </a:solidFill>
-          </a:ln>
-        </p:spPr>
-        <p:style>
-          <a:lnRef idx="2">
-            <a:schemeClr val="accent1">
-              <a:shade val="50000"/>
-            </a:schemeClr>
-          </a:lnRef>
-          <a:fillRef idx="1">
-            <a:schemeClr val="accent1"/>
-          </a:fillRef>
-          <a:effectRef idx="0">
-            <a:schemeClr val="accent1"/>
-          </a:effectRef>
-          <a:fontRef idx="minor">
-            <a:schemeClr val="lt1"/>
-          </a:fontRef>
-        </p:style>
-        <p:txBody>
-          <a:bodyPr rtlCol="0" anchor="ctr"/>
-          <a:lstStyle/>
-          <a:p>
-            <a:pPr algn="ctr"/>
-            <a:r>
-              <a:rPr lang="en-US" altLang="zh-CN" sz="1000" b="1" dirty="0" smtClean="0">
-                <a:solidFill>
-                  <a:schemeClr val="tx1"/>
-                </a:solidFill>
-                <a:latin typeface="宋体" panose="02010600030101010101" pitchFamily="2" charset="-122"/>
-                <a:ea typeface="宋体" panose="02010600030101010101" pitchFamily="2" charset="-122"/>
-              </a:rPr>
-              <a:t>JSON</a:t>
-            </a:r>
-            <a:r>
-              <a:rPr lang="zh-CN" altLang="en-US" sz="1000" b="1" dirty="0" smtClean="0">
-                <a:solidFill>
-                  <a:schemeClr val="tx1"/>
-                </a:solidFill>
-                <a:latin typeface="宋体" panose="02010600030101010101" pitchFamily="2" charset="-122"/>
-                <a:ea typeface="宋体" panose="02010600030101010101" pitchFamily="2" charset="-122"/>
-              </a:rPr>
-              <a:t>消息</a:t>
-            </a:r>
-            <a:endParaRPr lang="zh-CN" altLang="en-US" sz="1000" b="1" dirty="0">
-              <a:solidFill>
-                <a:schemeClr val="tx1"/>
-              </a:solidFill>
-              <a:latin typeface="宋体" panose="02010600030101010101" pitchFamily="2" charset="-122"/>
-              <a:ea typeface="宋体" panose="02010600030101010101" pitchFamily="2" charset="-122"/>
-            </a:endParaRPr>
-          </a:p>
-        </p:txBody>
-      </p:sp>
-      <p:sp>
-        <p:nvSpPr>
-          <p:cNvPr id="53" name="流程图: 可选过程 52"/>
-          <p:cNvSpPr/>
-          <p:nvPr/>
-        </p:nvSpPr>
-        <p:spPr>
-          <a:xfrm>
-            <a:off x="864967" y="4028081"/>
-            <a:ext cx="818415" cy="445669"/>
-          </a:xfrm>
-          <a:prstGeom prst="flowChartAlternateProcess">
-            <a:avLst/>
-          </a:prstGeom>
-          <a:gradFill>
-            <a:gsLst>
-              <a:gs pos="0">
-                <a:schemeClr val="accent1">
-                  <a:lumMod val="5000"/>
-                  <a:lumOff val="95000"/>
-                </a:schemeClr>
-              </a:gs>
-              <a:gs pos="74000">
-                <a:schemeClr val="accent1">
-                  <a:lumMod val="45000"/>
-                  <a:lumOff val="55000"/>
-                </a:schemeClr>
-              </a:gs>
-              <a:gs pos="83000">
-                <a:schemeClr val="accent1">
-                  <a:lumMod val="45000"/>
-                  <a:lumOff val="55000"/>
-                </a:schemeClr>
-              </a:gs>
-              <a:gs pos="100000">
-                <a:schemeClr val="accent1">
-                  <a:lumMod val="30000"/>
-                  <a:lumOff val="70000"/>
-                </a:schemeClr>
-              </a:gs>
-            </a:gsLst>
-            <a:lin ang="5400000" scaled="1"/>
-          </a:gradFill>
-          <a:ln w="44450">
-            <a:solidFill>
-              <a:schemeClr val="accent1">
-                <a:shade val="50000"/>
-                <a:alpha val="85000"/>
-              </a:schemeClr>
-            </a:solidFill>
-          </a:ln>
-        </p:spPr>
-        <p:style>
-          <a:lnRef idx="2">
-            <a:schemeClr val="accent1">
-              <a:shade val="50000"/>
-            </a:schemeClr>
-          </a:lnRef>
-          <a:fillRef idx="1">
-            <a:schemeClr val="accent1"/>
-          </a:fillRef>
-          <a:effectRef idx="0">
-            <a:schemeClr val="accent1"/>
-          </a:effectRef>
-          <a:fontRef idx="minor">
-            <a:schemeClr val="lt1"/>
-          </a:fontRef>
-        </p:style>
-        <p:txBody>
-          <a:bodyPr rtlCol="0" anchor="ctr"/>
-          <a:lstStyle/>
-          <a:p>
-            <a:pPr algn="ctr"/>
-            <a:r>
-              <a:rPr lang="en-US" altLang="zh-CN" sz="1000" b="1" dirty="0" smtClean="0">
-                <a:solidFill>
-                  <a:schemeClr val="tx1"/>
-                </a:solidFill>
-                <a:latin typeface="宋体" panose="02010600030101010101" pitchFamily="2" charset="-122"/>
-                <a:ea typeface="宋体" panose="02010600030101010101" pitchFamily="2" charset="-122"/>
-              </a:rPr>
-              <a:t>JSON</a:t>
-            </a:r>
-            <a:r>
-              <a:rPr lang="zh-CN" altLang="en-US" sz="1000" b="1" dirty="0" smtClean="0">
-                <a:solidFill>
-                  <a:schemeClr val="tx1"/>
-                </a:solidFill>
-                <a:latin typeface="宋体" panose="02010600030101010101" pitchFamily="2" charset="-122"/>
-                <a:ea typeface="宋体" panose="02010600030101010101" pitchFamily="2" charset="-122"/>
-              </a:rPr>
-              <a:t>消息</a:t>
-            </a:r>
-            <a:endParaRPr lang="zh-CN" altLang="en-US" sz="1000" b="1" dirty="0">
-              <a:solidFill>
-                <a:schemeClr val="tx1"/>
-              </a:solidFill>
-              <a:latin typeface="宋体" panose="02010600030101010101" pitchFamily="2" charset="-122"/>
-              <a:ea typeface="宋体" panose="02010600030101010101" pitchFamily="2" charset="-122"/>
-            </a:endParaRPr>
-          </a:p>
-        </p:txBody>
-      </p:sp>
-    </p:spTree>
-    <p:extLst>
-      <p:ext uri="{BB962C8B-B14F-4D97-AF65-F5344CB8AC3E}">
-        <p14:creationId xmlns:p14="http://schemas.microsoft.com/office/powerpoint/2010/main" val="1847891067"/>
-      </p:ext>
-    </p:extLst>
-  </p:cSld>
-  <p:clrMapOvr>
-    <a:masterClrMapping/>
-  </p:clrMapOvr>
-  <p:timing>
-    <p:tnLst>
-      <p:par>
-        <p:cTn id="1" dur="indefinite" restart="never" nodeType="tmRoot"/>
-      </p:par>
-    </p:tnLst>
-  </p:timing>
-</p:sld>
-</file>
-
-<file path=ppt/slides/slide3.xml><?xml version="1.0" encoding="utf-8"?>
-<p:sld xmlns:a="http://schemas.openxmlformats.org/drawingml/2006/main" xmlns:r="http://schemas.openxmlformats.org/officeDocument/2006/relationships" xmlns:p="http://schemas.openxmlformats.org/presentationml/2006/main">
-  <p:cSld>
-    <p:spTree>
-      <p:nvGrpSpPr>
-        <p:cNvPr id="1" name=""/>
-        <p:cNvGrpSpPr/>
-        <p:nvPr/>
-      </p:nvGrpSpPr>
-      <p:grpSpPr>
-        <a:xfrm>
-          <a:off x="0" y="0"/>
-          <a:ext cx="0" cy="0"/>
-          <a:chOff x="0" y="0"/>
-          <a:chExt cx="0" cy="0"/>
-        </a:xfrm>
-      </p:grpSpPr>
-      <p:sp>
-        <p:nvSpPr>
-          <p:cNvPr id="46" name="流程图: 可选过程 45"/>
-          <p:cNvSpPr/>
-          <p:nvPr/>
-        </p:nvSpPr>
-        <p:spPr>
-          <a:xfrm>
-            <a:off x="1728524" y="636305"/>
-            <a:ext cx="4262034" cy="1726757"/>
-          </a:xfrm>
-          <a:prstGeom prst="flowChartAlternateProcess">
-            <a:avLst/>
-          </a:prstGeom>
-          <a:gradFill>
-            <a:gsLst>
-              <a:gs pos="0">
-                <a:schemeClr val="accent1">
-                  <a:lumMod val="5000"/>
-                  <a:lumOff val="95000"/>
-                </a:schemeClr>
-              </a:gs>
-              <a:gs pos="74000">
-                <a:schemeClr val="accent1">
-                  <a:lumMod val="45000"/>
-                  <a:lumOff val="55000"/>
-                </a:schemeClr>
-              </a:gs>
-              <a:gs pos="83000">
-                <a:schemeClr val="accent1">
-                  <a:lumMod val="45000"/>
-                  <a:lumOff val="55000"/>
-                </a:schemeClr>
-              </a:gs>
-              <a:gs pos="100000">
-                <a:schemeClr val="accent1">
-                  <a:lumMod val="30000"/>
-                  <a:lumOff val="70000"/>
-                </a:schemeClr>
-              </a:gs>
-            </a:gsLst>
-            <a:lin ang="5400000" scaled="1"/>
-          </a:gradFill>
-          <a:ln w="44450">
-            <a:solidFill>
-              <a:schemeClr val="accent1">
-                <a:shade val="50000"/>
-                <a:alpha val="85000"/>
-              </a:schemeClr>
-            </a:solidFill>
-          </a:ln>
-        </p:spPr>
-        <p:style>
-          <a:lnRef idx="2">
-            <a:schemeClr val="accent1">
-              <a:shade val="50000"/>
-            </a:schemeClr>
-          </a:lnRef>
-          <a:fillRef idx="1">
-            <a:schemeClr val="accent1"/>
-          </a:fillRef>
-          <a:effectRef idx="0">
-            <a:schemeClr val="accent1"/>
-          </a:effectRef>
-          <a:fontRef idx="minor">
-            <a:schemeClr val="lt1"/>
-          </a:fontRef>
-        </p:style>
-        <p:txBody>
-          <a:bodyPr rtlCol="0" anchor="ctr"/>
-          <a:lstStyle/>
-          <a:p>
-            <a:pPr algn="ctr"/>
-            <a:endParaRPr lang="zh-CN" altLang="en-US" sz="2000" b="1" dirty="0">
-              <a:solidFill>
-                <a:schemeClr val="tx1"/>
-              </a:solidFill>
-              <a:latin typeface="宋体" panose="02010600030101010101" pitchFamily="2" charset="-122"/>
-              <a:ea typeface="宋体" panose="02010600030101010101" pitchFamily="2" charset="-122"/>
-            </a:endParaRPr>
-          </a:p>
-        </p:txBody>
-      </p:sp>
-      <p:sp>
-        <p:nvSpPr>
-          <p:cNvPr id="51" name="流程图: 可选过程 50"/>
-          <p:cNvSpPr/>
-          <p:nvPr/>
-        </p:nvSpPr>
-        <p:spPr>
-          <a:xfrm>
-            <a:off x="1728524" y="2716332"/>
-            <a:ext cx="4262034" cy="2290496"/>
-          </a:xfrm>
-          <a:prstGeom prst="flowChartAlternateProcess">
-            <a:avLst/>
-          </a:prstGeom>
-          <a:gradFill>
-            <a:gsLst>
-              <a:gs pos="0">
-                <a:schemeClr val="accent1">
-                  <a:lumMod val="5000"/>
-                  <a:lumOff val="95000"/>
-                </a:schemeClr>
-              </a:gs>
-              <a:gs pos="74000">
-                <a:schemeClr val="accent1">
-                  <a:lumMod val="45000"/>
-                  <a:lumOff val="55000"/>
-                </a:schemeClr>
-              </a:gs>
-              <a:gs pos="83000">
-                <a:schemeClr val="accent1">
-                  <a:lumMod val="45000"/>
-                  <a:lumOff val="55000"/>
-                </a:schemeClr>
-              </a:gs>
-              <a:gs pos="100000">
-                <a:schemeClr val="accent1">
-                  <a:lumMod val="30000"/>
-                  <a:lumOff val="70000"/>
-                </a:schemeClr>
-              </a:gs>
-            </a:gsLst>
-            <a:lin ang="5400000" scaled="1"/>
-          </a:gradFill>
-          <a:ln w="44450">
-            <a:solidFill>
-              <a:schemeClr val="accent1">
-                <a:shade val="50000"/>
-                <a:alpha val="85000"/>
-              </a:schemeClr>
-            </a:solidFill>
-          </a:ln>
-        </p:spPr>
-        <p:style>
-          <a:lnRef idx="2">
-            <a:schemeClr val="accent1">
-              <a:shade val="50000"/>
-            </a:schemeClr>
-          </a:lnRef>
-          <a:fillRef idx="1">
-            <a:schemeClr val="accent1"/>
-          </a:fillRef>
-          <a:effectRef idx="0">
-            <a:schemeClr val="accent1"/>
-          </a:effectRef>
-          <a:fontRef idx="minor">
-            <a:schemeClr val="lt1"/>
-          </a:fontRef>
-        </p:style>
-        <p:txBody>
-          <a:bodyPr rtlCol="0" anchor="ctr"/>
-          <a:lstStyle/>
-          <a:p>
-            <a:pPr algn="ctr"/>
             <a:endParaRPr lang="zh-CN" altLang="en-US" sz="1600" b="1" dirty="0">
               <a:solidFill>
                 <a:schemeClr val="tx1"/>
@@ -7452,7 +6042,7 @@
         </p:nvSpPr>
         <p:spPr>
           <a:xfrm>
-            <a:off x="1728524" y="5732647"/>
+            <a:off x="4056950" y="5560879"/>
             <a:ext cx="4262034" cy="480447"/>
           </a:xfrm>
           <a:prstGeom prst="flowChartAlternateProcess">
@@ -7518,16 +6108,6 @@
           <a:p>
             <a:pPr algn="ctr"/>
             <a:r>
-              <a:rPr lang="en-US" altLang="zh-CN" sz="1100" b="1" dirty="0" smtClean="0">
-                <a:solidFill>
-                  <a:schemeClr val="tx1"/>
-                </a:solidFill>
-                <a:latin typeface="宋体" panose="02010600030101010101" pitchFamily="2" charset="-122"/>
-                <a:ea typeface="宋体" panose="02010600030101010101" pitchFamily="2" charset="-122"/>
-              </a:rPr>
-              <a:t>Socket </a:t>
-            </a:r>
-            <a:r>
               <a:rPr lang="zh-CN" altLang="en-US" sz="1100" b="1" dirty="0" smtClean="0">
                 <a:solidFill>
                   <a:schemeClr val="tx1"/>
@@ -7555,8 +6135,8 @@
         </p:nvSpPr>
         <p:spPr>
           <a:xfrm>
-            <a:off x="726632" y="-49646"/>
-            <a:ext cx="6005941" cy="523220"/>
+            <a:off x="0" y="131788"/>
+            <a:ext cx="3744261" cy="523220"/>
           </a:xfrm>
           <a:prstGeom prst="rect">
             <a:avLst/>
@@ -7605,8 +6185,8 @@
         </p:nvSpPr>
         <p:spPr>
           <a:xfrm>
-            <a:off x="3750872" y="4939936"/>
-            <a:ext cx="302217" cy="792711"/>
+            <a:off x="6066264" y="4939984"/>
+            <a:ext cx="302217" cy="569044"/>
           </a:xfrm>
           <a:prstGeom prst="upDownArrow">
             <a:avLst/>
@@ -7645,7 +6225,7 @@
         </p:nvSpPr>
         <p:spPr>
           <a:xfrm>
-            <a:off x="3398445" y="4456717"/>
+            <a:off x="5713837" y="4456764"/>
             <a:ext cx="1037168" cy="449420"/>
           </a:xfrm>
           <a:prstGeom prst="flowChartAlternateProcess">
@@ -7738,7 +6318,7 @@
         </p:nvSpPr>
         <p:spPr>
           <a:xfrm>
-            <a:off x="4925306" y="4456717"/>
+            <a:off x="7240698" y="4456764"/>
             <a:ext cx="889252" cy="449420"/>
           </a:xfrm>
           <a:prstGeom prst="flowChartAlternateProcess">
@@ -7831,7 +6411,7 @@
         </p:nvSpPr>
         <p:spPr>
           <a:xfrm>
-            <a:off x="1868009" y="4378581"/>
+            <a:off x="4183401" y="4378628"/>
             <a:ext cx="1108585" cy="527556"/>
           </a:xfrm>
           <a:prstGeom prst="flowChartAlternateProcess">
@@ -7924,7 +6504,7 @@
         </p:nvSpPr>
         <p:spPr>
           <a:xfrm>
-            <a:off x="2976594" y="4587807"/>
+            <a:off x="5291986" y="4587854"/>
             <a:ext cx="421851" cy="209227"/>
           </a:xfrm>
           <a:prstGeom prst="leftRightArrow">
@@ -7964,8 +6544,8 @@
         </p:nvSpPr>
         <p:spPr>
           <a:xfrm>
-            <a:off x="1868010" y="2995353"/>
-            <a:ext cx="2022065" cy="1097846"/>
+            <a:off x="4183402" y="3564678"/>
+            <a:ext cx="2185079" cy="528567"/>
           </a:xfrm>
           <a:prstGeom prst="flowChartAlternateProcess">
             <a:avLst/>
@@ -8047,7 +6627,7 @@
                 <a:latin typeface="宋体" panose="02010600030101010101" pitchFamily="2" charset="-122"/>
                 <a:ea typeface="宋体" panose="02010600030101010101" pitchFamily="2" charset="-122"/>
               </a:rPr>
-              <a:t>设备控制协议</a:t>
+              <a:t>设备控制协议处理</a:t>
             </a:r>
             <a:endParaRPr lang="zh-CN" altLang="en-US" sz="1100" b="1" dirty="0">
               <a:solidFill>
@@ -8067,7 +6647,7 @@
         </p:nvSpPr>
         <p:spPr>
           <a:xfrm>
-            <a:off x="3508924" y="4130911"/>
+            <a:off x="5824316" y="4130958"/>
             <a:ext cx="207252" cy="315558"/>
           </a:xfrm>
           <a:prstGeom prst="upDownArrow">
@@ -8107,8 +6687,8 @@
         </p:nvSpPr>
         <p:spPr>
           <a:xfrm>
-            <a:off x="2465674" y="1564123"/>
-            <a:ext cx="1146876" cy="445669"/>
+            <a:off x="4781066" y="2403705"/>
+            <a:ext cx="1146876" cy="409290"/>
           </a:xfrm>
           <a:prstGeom prst="flowChartAlternateProcess">
             <a:avLst/>
@@ -8210,7 +6790,7 @@
         </p:nvSpPr>
         <p:spPr>
           <a:xfrm>
-            <a:off x="2465675" y="765184"/>
+            <a:off x="4781067" y="1568387"/>
             <a:ext cx="2459631" cy="445669"/>
           </a:xfrm>
           <a:prstGeom prst="flowChartAlternateProcess">
@@ -8303,8 +6883,8 @@
         </p:nvSpPr>
         <p:spPr>
           <a:xfrm>
-            <a:off x="3736933" y="1574371"/>
-            <a:ext cx="1143190" cy="445669"/>
+            <a:off x="6052325" y="2401125"/>
+            <a:ext cx="1143190" cy="422118"/>
           </a:xfrm>
           <a:prstGeom prst="flowChartAlternateProcess">
             <a:avLst/>
@@ -8396,7 +6976,7 @@
         </p:nvSpPr>
         <p:spPr>
           <a:xfrm>
-            <a:off x="4472212" y="4573851"/>
+            <a:off x="6787604" y="4573898"/>
             <a:ext cx="421851" cy="209227"/>
           </a:xfrm>
           <a:prstGeom prst="leftRightArrow">
@@ -8436,8 +7016,8 @@
         </p:nvSpPr>
         <p:spPr>
           <a:xfrm>
-            <a:off x="2879042" y="2009792"/>
-            <a:ext cx="240367" cy="985561"/>
+            <a:off x="5167771" y="2820175"/>
+            <a:ext cx="293692" cy="708124"/>
           </a:xfrm>
           <a:prstGeom prst="upDownArrow">
             <a:avLst/>
@@ -8476,7 +7056,7 @@
         </p:nvSpPr>
         <p:spPr>
           <a:xfrm>
-            <a:off x="2916274" y="1210853"/>
+            <a:off x="5231666" y="2014056"/>
             <a:ext cx="165902" cy="353270"/>
           </a:xfrm>
           <a:prstGeom prst="upDownArrow">
@@ -8516,12 +7096,18 @@
         </p:nvSpPr>
         <p:spPr>
           <a:xfrm>
-            <a:off x="6656522" y="136700"/>
-            <a:ext cx="2069024" cy="673747"/>
+            <a:off x="8922669" y="894640"/>
+            <a:ext cx="1606946" cy="673747"/>
           </a:xfrm>
           <a:prstGeom prst="borderCallout1">
             <a:avLst/>
           </a:prstGeom>
+          <a:solidFill>
+            <a:schemeClr val="accent1">
+              <a:lumMod val="40000"/>
+              <a:lumOff val="60000"/>
+            </a:schemeClr>
+          </a:solidFill>
         </p:spPr>
         <p:style>
           <a:lnRef idx="2">
@@ -8545,10 +7131,26 @@
           <a:p>
             <a:pPr algn="ctr"/>
             <a:r>
-              <a:rPr lang="zh-CN" altLang="en-US" dirty="0" smtClean="0"/>
-              <a:t>子设备业务模拟器</a:t>
-            </a:r>
-            <a:endParaRPr lang="zh-CN" altLang="en-US" dirty="0"/>
+              <a:rPr lang="zh-CN" altLang="en-US" sz="1200" dirty="0">
+                <a:solidFill>
+                  <a:schemeClr val="tx1"/>
+                </a:solidFill>
+              </a:rPr>
+              <a:t>实现</a:t>
+            </a:r>
+            <a:r>
+              <a:rPr lang="zh-CN" altLang="en-US" sz="1200" dirty="0" smtClean="0">
+                <a:solidFill>
+                  <a:schemeClr val="tx1"/>
+                </a:solidFill>
+              </a:rPr>
+              <a:t>子设备业务模拟</a:t>
+            </a:r>
+            <a:endParaRPr lang="zh-CN" altLang="en-US" sz="1200" dirty="0">
+              <a:solidFill>
+                <a:schemeClr val="tx1"/>
+              </a:solidFill>
+            </a:endParaRPr>
           </a:p>
         </p:txBody>
       </p:sp>
@@ -8560,12 +7162,18 @@
         </p:nvSpPr>
         <p:spPr>
           <a:xfrm>
-            <a:off x="6656522" y="2241886"/>
-            <a:ext cx="2069024" cy="673747"/>
+            <a:off x="8921785" y="2959193"/>
+            <a:ext cx="1607830" cy="628069"/>
           </a:xfrm>
           <a:prstGeom prst="borderCallout1">
             <a:avLst/>
           </a:prstGeom>
+          <a:solidFill>
+            <a:schemeClr val="accent1">
+              <a:lumMod val="40000"/>
+              <a:lumOff val="60000"/>
+            </a:schemeClr>
+          </a:solidFill>
         </p:spPr>
         <p:style>
           <a:lnRef idx="2">
@@ -8589,14 +7197,34 @@
           <a:p>
             <a:pPr algn="ctr"/>
             <a:r>
-              <a:rPr lang="en-US" altLang="zh-CN" dirty="0" err="1" smtClean="0"/>
+              <a:rPr lang="zh-CN" altLang="en-US" sz="1200" dirty="0" smtClean="0">
+                <a:solidFill>
+                  <a:schemeClr val="tx1"/>
+                </a:solidFill>
+              </a:rPr>
+              <a:t>实现</a:t>
+            </a:r>
+            <a:r>
+              <a:rPr lang="en-US" altLang="zh-CN" sz="1200" dirty="0" err="1" smtClean="0">
+                <a:solidFill>
+                  <a:schemeClr val="tx1"/>
+                </a:solidFill>
+              </a:rPr>
               <a:t>Wifi</a:t>
             </a:r>
             <a:r>
-              <a:rPr lang="zh-CN" altLang="en-US" dirty="0" smtClean="0"/>
-              <a:t>模组模拟器</a:t>
-            </a:r>
-            <a:endParaRPr lang="zh-CN" altLang="en-US" dirty="0"/>
+              <a:rPr lang="zh-CN" altLang="en-US" sz="1200" dirty="0" smtClean="0">
+                <a:solidFill>
+                  <a:schemeClr val="tx1"/>
+                </a:solidFill>
+              </a:rPr>
+              <a:t>模组模拟</a:t>
+            </a:r>
+            <a:endParaRPr lang="zh-CN" altLang="en-US" sz="1200" dirty="0">
+              <a:solidFill>
+                <a:schemeClr val="tx1"/>
+              </a:solidFill>
+            </a:endParaRPr>
           </a:p>
         </p:txBody>
       </p:sp>
@@ -8608,7 +7236,7 @@
         </p:nvSpPr>
         <p:spPr>
           <a:xfrm>
-            <a:off x="4241111" y="1210853"/>
+            <a:off x="6556503" y="2061673"/>
             <a:ext cx="134833" cy="353270"/>
           </a:xfrm>
           <a:prstGeom prst="downArrow">
@@ -8648,8 +7276,8 @@
         </p:nvSpPr>
         <p:spPr>
           <a:xfrm>
-            <a:off x="4247833" y="2056037"/>
-            <a:ext cx="116004" cy="2395556"/>
+            <a:off x="6541002" y="2820175"/>
+            <a:ext cx="194501" cy="1631465"/>
           </a:xfrm>
           <a:prstGeom prst="downArrow">
             <a:avLst/>
@@ -8680,6 +7308,649 @@
           </a:p>
         </p:txBody>
       </p:sp>
+      <p:sp>
+        <p:nvSpPr>
+          <p:cNvPr id="56" name="圆角矩形 55"/>
+          <p:cNvSpPr/>
+          <p:nvPr/>
+        </p:nvSpPr>
+        <p:spPr>
+          <a:xfrm>
+            <a:off x="1769118" y="3949773"/>
+            <a:ext cx="1493275" cy="2083204"/>
+          </a:xfrm>
+          <a:prstGeom prst="roundRect">
+            <a:avLst/>
+          </a:prstGeom>
+          <a:solidFill>
+            <a:srgbClr val="00B0F0"/>
+          </a:solidFill>
+        </p:spPr>
+        <p:style>
+          <a:lnRef idx="2">
+            <a:schemeClr val="accent1">
+              <a:shade val="50000"/>
+            </a:schemeClr>
+          </a:lnRef>
+          <a:fillRef idx="1">
+            <a:schemeClr val="accent1"/>
+          </a:fillRef>
+          <a:effectRef idx="0">
+            <a:schemeClr val="accent1"/>
+          </a:effectRef>
+          <a:fontRef idx="minor">
+            <a:schemeClr val="lt1"/>
+          </a:fontRef>
+        </p:style>
+        <p:txBody>
+          <a:bodyPr rtlCol="0" anchor="ctr"/>
+          <a:lstStyle/>
+          <a:p>
+            <a:pPr algn="ctr"/>
+            <a:endParaRPr lang="zh-CN" altLang="en-US" sz="2000" b="1">
+              <a:latin typeface="宋体" panose="02010600030101010101" pitchFamily="2" charset="-122"/>
+              <a:ea typeface="宋体" panose="02010600030101010101" pitchFamily="2" charset="-122"/>
+            </a:endParaRPr>
+          </a:p>
+        </p:txBody>
+      </p:sp>
+      <p:sp>
+        <p:nvSpPr>
+          <p:cNvPr id="57" name="圆角矩形 56"/>
+          <p:cNvSpPr/>
+          <p:nvPr/>
+        </p:nvSpPr>
+        <p:spPr>
+          <a:xfrm>
+            <a:off x="274695" y="3961303"/>
+            <a:ext cx="739475" cy="469714"/>
+          </a:xfrm>
+          <a:prstGeom prst="roundRect">
+            <a:avLst/>
+          </a:prstGeom>
+          <a:solidFill>
+            <a:schemeClr val="accent5">
+              <a:lumMod val="75000"/>
+            </a:schemeClr>
+          </a:solidFill>
+        </p:spPr>
+        <p:style>
+          <a:lnRef idx="2">
+            <a:schemeClr val="accent1">
+              <a:shade val="50000"/>
+            </a:schemeClr>
+          </a:lnRef>
+          <a:fillRef idx="1">
+            <a:schemeClr val="accent1"/>
+          </a:fillRef>
+          <a:effectRef idx="0">
+            <a:schemeClr val="accent1"/>
+          </a:effectRef>
+          <a:fontRef idx="minor">
+            <a:schemeClr val="lt1"/>
+          </a:fontRef>
+        </p:style>
+        <p:txBody>
+          <a:bodyPr rtlCol="0" anchor="ctr"/>
+          <a:lstStyle/>
+          <a:p>
+            <a:pPr algn="ctr"/>
+            <a:r>
+              <a:rPr lang="en-US" altLang="zh-CN" sz="1200" b="1" dirty="0" smtClean="0">
+                <a:latin typeface="宋体" panose="02010600030101010101" pitchFamily="2" charset="-122"/>
+                <a:ea typeface="宋体" panose="02010600030101010101" pitchFamily="2" charset="-122"/>
+              </a:rPr>
+              <a:t>APP</a:t>
+            </a:r>
+            <a:endParaRPr lang="zh-CN" altLang="en-US" sz="1200" b="1" dirty="0">
+              <a:latin typeface="宋体" panose="02010600030101010101" pitchFamily="2" charset="-122"/>
+              <a:ea typeface="宋体" panose="02010600030101010101" pitchFamily="2" charset="-122"/>
+            </a:endParaRPr>
+          </a:p>
+        </p:txBody>
+      </p:sp>
+      <p:sp>
+        <p:nvSpPr>
+          <p:cNvPr id="62" name="左右箭头 61"/>
+          <p:cNvSpPr/>
+          <p:nvPr/>
+        </p:nvSpPr>
+        <p:spPr>
+          <a:xfrm>
+            <a:off x="3262393" y="5618134"/>
+            <a:ext cx="681926" cy="190991"/>
+          </a:xfrm>
+          <a:prstGeom prst="leftRightArrow">
+            <a:avLst/>
+          </a:prstGeom>
+        </p:spPr>
+        <p:style>
+          <a:lnRef idx="2">
+            <a:schemeClr val="accent1">
+              <a:shade val="50000"/>
+            </a:schemeClr>
+          </a:lnRef>
+          <a:fillRef idx="1">
+            <a:schemeClr val="accent1"/>
+          </a:fillRef>
+          <a:effectRef idx="0">
+            <a:schemeClr val="accent1"/>
+          </a:effectRef>
+          <a:fontRef idx="minor">
+            <a:schemeClr val="lt1"/>
+          </a:fontRef>
+        </p:style>
+        <p:txBody>
+          <a:bodyPr rtlCol="0" anchor="ctr"/>
+          <a:lstStyle/>
+          <a:p>
+            <a:pPr algn="ctr"/>
+            <a:endParaRPr lang="zh-CN" altLang="en-US" sz="2000" b="1">
+              <a:solidFill>
+                <a:schemeClr val="tx1"/>
+              </a:solidFill>
+              <a:latin typeface="宋体" panose="02010600030101010101" pitchFamily="2" charset="-122"/>
+              <a:ea typeface="宋体" panose="02010600030101010101" pitchFamily="2" charset="-122"/>
+            </a:endParaRPr>
+          </a:p>
+        </p:txBody>
+      </p:sp>
+      <p:sp>
+        <p:nvSpPr>
+          <p:cNvPr id="63" name="文本框 62"/>
+          <p:cNvSpPr txBox="1"/>
+          <p:nvPr/>
+        </p:nvSpPr>
+        <p:spPr>
+          <a:xfrm>
+            <a:off x="1940468" y="3949773"/>
+            <a:ext cx="1130115" cy="276999"/>
+          </a:xfrm>
+          <a:prstGeom prst="rect">
+            <a:avLst/>
+          </a:prstGeom>
+          <a:noFill/>
+        </p:spPr>
+        <p:txBody>
+          <a:bodyPr wrap="square" rtlCol="0">
+            <a:spAutoFit/>
+          </a:bodyPr>
+          <a:lstStyle/>
+          <a:p>
+            <a:pPr algn="ctr"/>
+            <a:r>
+              <a:rPr lang="en-US" altLang="zh-CN" sz="1200" b="1" dirty="0" smtClean="0">
+                <a:latin typeface="宋体" panose="02010600030101010101" pitchFamily="2" charset="-122"/>
+                <a:ea typeface="宋体" panose="02010600030101010101" pitchFamily="2" charset="-122"/>
+              </a:rPr>
+              <a:t>Router</a:t>
+            </a:r>
+            <a:endParaRPr lang="zh-CN" altLang="en-US" sz="1200" b="1" dirty="0">
+              <a:latin typeface="宋体" panose="02010600030101010101" pitchFamily="2" charset="-122"/>
+              <a:ea typeface="宋体" panose="02010600030101010101" pitchFamily="2" charset="-122"/>
+            </a:endParaRPr>
+          </a:p>
+        </p:txBody>
+      </p:sp>
+      <p:sp>
+        <p:nvSpPr>
+          <p:cNvPr id="64" name="文本框 63"/>
+          <p:cNvSpPr txBox="1"/>
+          <p:nvPr/>
+        </p:nvSpPr>
+        <p:spPr>
+          <a:xfrm>
+            <a:off x="5087597" y="881079"/>
+            <a:ext cx="2259550" cy="400110"/>
+          </a:xfrm>
+          <a:prstGeom prst="rect">
+            <a:avLst/>
+          </a:prstGeom>
+          <a:noFill/>
+        </p:spPr>
+        <p:txBody>
+          <a:bodyPr wrap="square" rtlCol="0">
+            <a:spAutoFit/>
+          </a:bodyPr>
+          <a:lstStyle/>
+          <a:p>
+            <a:pPr algn="ctr"/>
+            <a:r>
+              <a:rPr lang="en-US" altLang="zh-CN" sz="2000" b="1" dirty="0">
+                <a:latin typeface="宋体" panose="02010600030101010101" pitchFamily="2" charset="-122"/>
+                <a:ea typeface="宋体" panose="02010600030101010101" pitchFamily="2" charset="-122"/>
+              </a:rPr>
+              <a:t>Device </a:t>
+            </a:r>
+            <a:r>
+              <a:rPr lang="en-US" altLang="zh-CN" sz="2000" b="1" dirty="0" smtClean="0">
+                <a:latin typeface="宋体" panose="02010600030101010101" pitchFamily="2" charset="-122"/>
+                <a:ea typeface="宋体" panose="02010600030101010101" pitchFamily="2" charset="-122"/>
+              </a:rPr>
+              <a:t>simulator</a:t>
+            </a:r>
+            <a:endParaRPr lang="en-US" altLang="zh-CN" sz="2000" b="1" dirty="0">
+              <a:latin typeface="宋体" panose="02010600030101010101" pitchFamily="2" charset="-122"/>
+              <a:ea typeface="宋体" panose="02010600030101010101" pitchFamily="2" charset="-122"/>
+            </a:endParaRPr>
+          </a:p>
+        </p:txBody>
+      </p:sp>
+      <p:sp>
+        <p:nvSpPr>
+          <p:cNvPr id="65" name="流程图: 可选过程 64"/>
+          <p:cNvSpPr/>
+          <p:nvPr/>
+        </p:nvSpPr>
+        <p:spPr>
+          <a:xfrm>
+            <a:off x="2009340" y="4479906"/>
+            <a:ext cx="1122438" cy="445669"/>
+          </a:xfrm>
+          <a:prstGeom prst="flowChartAlternateProcess">
+            <a:avLst/>
+          </a:prstGeom>
+          <a:gradFill>
+            <a:gsLst>
+              <a:gs pos="0">
+                <a:schemeClr val="accent1">
+                  <a:lumMod val="5000"/>
+                  <a:lumOff val="95000"/>
+                </a:schemeClr>
+              </a:gs>
+              <a:gs pos="74000">
+                <a:schemeClr val="accent1">
+                  <a:lumMod val="45000"/>
+                  <a:lumOff val="55000"/>
+                </a:schemeClr>
+              </a:gs>
+              <a:gs pos="83000">
+                <a:schemeClr val="accent1">
+                  <a:lumMod val="45000"/>
+                  <a:lumOff val="55000"/>
+                </a:schemeClr>
+              </a:gs>
+              <a:gs pos="100000">
+                <a:schemeClr val="accent1">
+                  <a:lumMod val="30000"/>
+                  <a:lumOff val="70000"/>
+                </a:schemeClr>
+              </a:gs>
+            </a:gsLst>
+            <a:lin ang="5400000" scaled="1"/>
+          </a:gradFill>
+          <a:ln w="44450">
+            <a:solidFill>
+              <a:schemeClr val="accent1">
+                <a:shade val="50000"/>
+                <a:alpha val="85000"/>
+              </a:schemeClr>
+            </a:solidFill>
+          </a:ln>
+        </p:spPr>
+        <p:style>
+          <a:lnRef idx="2">
+            <a:schemeClr val="accent1">
+              <a:shade val="50000"/>
+            </a:schemeClr>
+          </a:lnRef>
+          <a:fillRef idx="1">
+            <a:schemeClr val="accent1"/>
+          </a:fillRef>
+          <a:effectRef idx="0">
+            <a:schemeClr val="accent1"/>
+          </a:effectRef>
+          <a:fontRef idx="minor">
+            <a:schemeClr val="lt1"/>
+          </a:fontRef>
+        </p:style>
+        <p:txBody>
+          <a:bodyPr rtlCol="0" anchor="ctr"/>
+          <a:lstStyle/>
+          <a:p>
+            <a:pPr algn="ctr"/>
+            <a:r>
+              <a:rPr lang="en-US" altLang="zh-CN" sz="1000" b="1" dirty="0" smtClean="0">
+                <a:solidFill>
+                  <a:schemeClr val="tx1"/>
+                </a:solidFill>
+                <a:latin typeface="宋体" panose="02010600030101010101" pitchFamily="2" charset="-122"/>
+                <a:ea typeface="宋体" panose="02010600030101010101" pitchFamily="2" charset="-122"/>
+              </a:rPr>
+              <a:t>JSON</a:t>
+            </a:r>
+            <a:r>
+              <a:rPr lang="zh-CN" altLang="en-US" sz="1000" b="1" dirty="0" smtClean="0">
+                <a:solidFill>
+                  <a:schemeClr val="tx1"/>
+                </a:solidFill>
+                <a:latin typeface="宋体" panose="02010600030101010101" pitchFamily="2" charset="-122"/>
+                <a:ea typeface="宋体" panose="02010600030101010101" pitchFamily="2" charset="-122"/>
+              </a:rPr>
+              <a:t>消息</a:t>
+            </a:r>
+            <a:endParaRPr lang="zh-CN" altLang="en-US" sz="1000" b="1" dirty="0">
+              <a:solidFill>
+                <a:schemeClr val="tx1"/>
+              </a:solidFill>
+              <a:latin typeface="宋体" panose="02010600030101010101" pitchFamily="2" charset="-122"/>
+              <a:ea typeface="宋体" panose="02010600030101010101" pitchFamily="2" charset="-122"/>
+            </a:endParaRPr>
+          </a:p>
+        </p:txBody>
+      </p:sp>
+      <p:sp>
+        <p:nvSpPr>
+          <p:cNvPr id="66" name="流程图: 可选过程 65"/>
+          <p:cNvSpPr/>
+          <p:nvPr/>
+        </p:nvSpPr>
+        <p:spPr>
+          <a:xfrm>
+            <a:off x="2009340" y="4986731"/>
+            <a:ext cx="1122437" cy="407821"/>
+          </a:xfrm>
+          <a:prstGeom prst="flowChartAlternateProcess">
+            <a:avLst/>
+          </a:prstGeom>
+          <a:gradFill>
+            <a:gsLst>
+              <a:gs pos="0">
+                <a:schemeClr val="accent1">
+                  <a:lumMod val="5000"/>
+                  <a:lumOff val="95000"/>
+                </a:schemeClr>
+              </a:gs>
+              <a:gs pos="74000">
+                <a:schemeClr val="accent1">
+                  <a:lumMod val="45000"/>
+                  <a:lumOff val="55000"/>
+                </a:schemeClr>
+              </a:gs>
+              <a:gs pos="83000">
+                <a:schemeClr val="accent1">
+                  <a:lumMod val="45000"/>
+                  <a:lumOff val="55000"/>
+                </a:schemeClr>
+              </a:gs>
+              <a:gs pos="100000">
+                <a:schemeClr val="accent1">
+                  <a:lumMod val="30000"/>
+                  <a:lumOff val="70000"/>
+                </a:schemeClr>
+              </a:gs>
+            </a:gsLst>
+            <a:lin ang="5400000" scaled="1"/>
+          </a:gradFill>
+          <a:ln w="44450">
+            <a:solidFill>
+              <a:schemeClr val="accent1">
+                <a:shade val="50000"/>
+                <a:alpha val="85000"/>
+              </a:schemeClr>
+            </a:solidFill>
+          </a:ln>
+        </p:spPr>
+        <p:style>
+          <a:lnRef idx="2">
+            <a:schemeClr val="accent1">
+              <a:shade val="50000"/>
+            </a:schemeClr>
+          </a:lnRef>
+          <a:fillRef idx="1">
+            <a:schemeClr val="accent1"/>
+          </a:fillRef>
+          <a:effectRef idx="0">
+            <a:schemeClr val="accent1"/>
+          </a:effectRef>
+          <a:fontRef idx="minor">
+            <a:schemeClr val="lt1"/>
+          </a:fontRef>
+        </p:style>
+        <p:txBody>
+          <a:bodyPr rtlCol="0" anchor="ctr"/>
+          <a:lstStyle/>
+          <a:p>
+            <a:pPr algn="ctr"/>
+            <a:r>
+              <a:rPr lang="zh-CN" altLang="en-US" sz="1000" b="1" dirty="0">
+                <a:solidFill>
+                  <a:schemeClr val="tx1"/>
+                </a:solidFill>
+                <a:latin typeface="宋体" panose="02010600030101010101" pitchFamily="2" charset="-122"/>
+                <a:ea typeface="宋体" panose="02010600030101010101" pitchFamily="2" charset="-122"/>
+              </a:rPr>
+              <a:t>子设备控制协议</a:t>
+            </a:r>
+          </a:p>
+        </p:txBody>
+      </p:sp>
+      <p:sp>
+        <p:nvSpPr>
+          <p:cNvPr id="67" name="流程图: 可选过程 66"/>
+          <p:cNvSpPr/>
+          <p:nvPr/>
+        </p:nvSpPr>
+        <p:spPr>
+          <a:xfrm>
+            <a:off x="2009340" y="5455708"/>
+            <a:ext cx="1122438" cy="449420"/>
+          </a:xfrm>
+          <a:prstGeom prst="flowChartAlternateProcess">
+            <a:avLst/>
+          </a:prstGeom>
+          <a:gradFill>
+            <a:gsLst>
+              <a:gs pos="0">
+                <a:schemeClr val="accent1">
+                  <a:lumMod val="5000"/>
+                  <a:lumOff val="95000"/>
+                </a:schemeClr>
+              </a:gs>
+              <a:gs pos="74000">
+                <a:schemeClr val="accent1">
+                  <a:lumMod val="45000"/>
+                  <a:lumOff val="55000"/>
+                </a:schemeClr>
+              </a:gs>
+              <a:gs pos="83000">
+                <a:schemeClr val="accent1">
+                  <a:lumMod val="45000"/>
+                  <a:lumOff val="55000"/>
+                </a:schemeClr>
+              </a:gs>
+              <a:gs pos="100000">
+                <a:schemeClr val="accent1">
+                  <a:lumMod val="30000"/>
+                  <a:lumOff val="70000"/>
+                </a:schemeClr>
+              </a:gs>
+            </a:gsLst>
+            <a:lin ang="5400000" scaled="1"/>
+          </a:gradFill>
+          <a:ln w="44450">
+            <a:solidFill>
+              <a:schemeClr val="accent1">
+                <a:shade val="50000"/>
+                <a:alpha val="85000"/>
+              </a:schemeClr>
+            </a:solidFill>
+          </a:ln>
+        </p:spPr>
+        <p:style>
+          <a:lnRef idx="2">
+            <a:schemeClr val="accent1">
+              <a:shade val="50000"/>
+            </a:schemeClr>
+          </a:lnRef>
+          <a:fillRef idx="1">
+            <a:schemeClr val="accent1"/>
+          </a:fillRef>
+          <a:effectRef idx="0">
+            <a:schemeClr val="accent1"/>
+          </a:effectRef>
+          <a:fontRef idx="minor">
+            <a:schemeClr val="lt1"/>
+          </a:fontRef>
+        </p:style>
+        <p:txBody>
+          <a:bodyPr rtlCol="0" anchor="ctr"/>
+          <a:lstStyle/>
+          <a:p>
+            <a:pPr algn="ctr"/>
+            <a:r>
+              <a:rPr lang="en-US" altLang="zh-CN" sz="1000" b="1" dirty="0" smtClean="0">
+                <a:solidFill>
+                  <a:schemeClr val="tx1"/>
+                </a:solidFill>
+                <a:latin typeface="宋体" panose="02010600030101010101" pitchFamily="2" charset="-122"/>
+                <a:ea typeface="宋体" panose="02010600030101010101" pitchFamily="2" charset="-122"/>
+              </a:rPr>
+              <a:t>TCP/IP</a:t>
+            </a:r>
+            <a:endParaRPr lang="zh-CN" altLang="en-US" sz="1000" b="1" dirty="0">
+              <a:solidFill>
+                <a:schemeClr val="tx1"/>
+              </a:solidFill>
+              <a:latin typeface="宋体" panose="02010600030101010101" pitchFamily="2" charset="-122"/>
+              <a:ea typeface="宋体" panose="02010600030101010101" pitchFamily="2" charset="-122"/>
+            </a:endParaRPr>
+          </a:p>
+        </p:txBody>
+      </p:sp>
+      <p:sp>
+        <p:nvSpPr>
+          <p:cNvPr id="68" name="上下箭头 67"/>
+          <p:cNvSpPr/>
+          <p:nvPr/>
+        </p:nvSpPr>
+        <p:spPr>
+          <a:xfrm rot="18002732">
+            <a:off x="1264492" y="4003434"/>
+            <a:ext cx="290845" cy="813423"/>
+          </a:xfrm>
+          <a:prstGeom prst="upDownArrow">
+            <a:avLst/>
+          </a:prstGeom>
+        </p:spPr>
+        <p:style>
+          <a:lnRef idx="2">
+            <a:schemeClr val="accent1">
+              <a:shade val="50000"/>
+            </a:schemeClr>
+          </a:lnRef>
+          <a:fillRef idx="1">
+            <a:schemeClr val="accent1"/>
+          </a:fillRef>
+          <a:effectRef idx="0">
+            <a:schemeClr val="accent1"/>
+          </a:effectRef>
+          <a:fontRef idx="minor">
+            <a:schemeClr val="lt1"/>
+          </a:fontRef>
+        </p:style>
+        <p:txBody>
+          <a:bodyPr rtlCol="0" anchor="ctr"/>
+          <a:lstStyle/>
+          <a:p>
+            <a:pPr algn="ctr"/>
+            <a:endParaRPr lang="zh-CN" altLang="en-US" dirty="0"/>
+          </a:p>
+        </p:txBody>
+      </p:sp>
+      <p:sp>
+        <p:nvSpPr>
+          <p:cNvPr id="35" name="上下箭头 34"/>
+          <p:cNvSpPr/>
+          <p:nvPr/>
+        </p:nvSpPr>
+        <p:spPr>
+          <a:xfrm rot="14480804">
+            <a:off x="1258876" y="5221945"/>
+            <a:ext cx="290845" cy="805484"/>
+          </a:xfrm>
+          <a:prstGeom prst="upDownArrow">
+            <a:avLst/>
+          </a:prstGeom>
+        </p:spPr>
+        <p:style>
+          <a:lnRef idx="2">
+            <a:schemeClr val="accent1">
+              <a:shade val="50000"/>
+            </a:schemeClr>
+          </a:lnRef>
+          <a:fillRef idx="1">
+            <a:schemeClr val="accent1"/>
+          </a:fillRef>
+          <a:effectRef idx="0">
+            <a:schemeClr val="accent1"/>
+          </a:effectRef>
+          <a:fontRef idx="minor">
+            <a:schemeClr val="lt1"/>
+          </a:fontRef>
+        </p:style>
+        <p:txBody>
+          <a:bodyPr rtlCol="0" anchor="ctr"/>
+          <a:lstStyle/>
+          <a:p>
+            <a:pPr algn="ctr"/>
+            <a:endParaRPr lang="zh-CN" altLang="en-US" dirty="0"/>
+          </a:p>
+        </p:txBody>
+      </p:sp>
+      <p:sp>
+        <p:nvSpPr>
+          <p:cNvPr id="36" name="圆角矩形 35"/>
+          <p:cNvSpPr/>
+          <p:nvPr/>
+        </p:nvSpPr>
+        <p:spPr>
+          <a:xfrm>
+            <a:off x="274694" y="5574268"/>
+            <a:ext cx="739476" cy="469714"/>
+          </a:xfrm>
+          <a:prstGeom prst="roundRect">
+            <a:avLst/>
+          </a:prstGeom>
+          <a:solidFill>
+            <a:srgbClr val="00B050"/>
+          </a:solidFill>
+        </p:spPr>
+        <p:style>
+          <a:lnRef idx="2">
+            <a:schemeClr val="accent1">
+              <a:shade val="50000"/>
+            </a:schemeClr>
+          </a:lnRef>
+          <a:fillRef idx="1">
+            <a:schemeClr val="accent1"/>
+          </a:fillRef>
+          <a:effectRef idx="0">
+            <a:schemeClr val="accent1"/>
+          </a:effectRef>
+          <a:fontRef idx="minor">
+            <a:schemeClr val="lt1"/>
+          </a:fontRef>
+        </p:style>
+        <p:txBody>
+          <a:bodyPr rtlCol="0" anchor="ctr"/>
+          <a:lstStyle/>
+          <a:p>
+            <a:pPr algn="ctr"/>
+            <a:r>
+              <a:rPr lang="en-US" altLang="zh-CN" sz="1200" b="1" dirty="0" smtClean="0">
+                <a:latin typeface="宋体" panose="02010600030101010101" pitchFamily="2" charset="-122"/>
+                <a:ea typeface="宋体" panose="02010600030101010101" pitchFamily="2" charset="-122"/>
+              </a:rPr>
+              <a:t>Cloud</a:t>
+            </a:r>
+            <a:endParaRPr lang="zh-CN" altLang="en-US" sz="1200" b="1" dirty="0">
+              <a:latin typeface="宋体" panose="02010600030101010101" pitchFamily="2" charset="-122"/>
+              <a:ea typeface="宋体" panose="02010600030101010101" pitchFamily="2" charset="-122"/>
+            </a:endParaRPr>
+          </a:p>
+        </p:txBody>
+      </p:sp>
     </p:spTree>
     <p:extLst>
       <p:ext uri="{BB962C8B-B14F-4D97-AF65-F5344CB8AC3E}">
@@ -8700,7 +7971,7 @@
 </p:sld>
 </file>
 
-<file path=ppt/slides/slide4.xml><?xml version="1.0" encoding="utf-8"?>
+<file path=ppt/slides/slide3.xml><?xml version="1.0" encoding="utf-8"?>
 <p:sld xmlns:a="http://schemas.openxmlformats.org/drawingml/2006/main" xmlns:r="http://schemas.openxmlformats.org/officeDocument/2006/relationships" xmlns:p="http://schemas.openxmlformats.org/presentationml/2006/main">
   <p:cSld>
     <p:spTree>
